--- a/chapter10/图片/pic.pptx
+++ b/chapter10/图片/pic.pptx
@@ -200,7 +200,7 @@
           <a:p>
             <a:fld id="{F83D7D08-50F0-4ED5-ACE4-0679609A02DF}" type="datetimeFigureOut">
               <a:rPr lang="zh-CN" altLang="en-US" smtClean="0"/>
-              <a:t>2020/3/9</a:t>
+              <a:t>2020/6/17</a:t>
             </a:fld>
             <a:endParaRPr lang="zh-CN" altLang="en-US"/>
           </a:p>
@@ -1153,7 +1153,7 @@
           <a:p>
             <a:fld id="{530820CF-B880-4189-942D-D702A7CBA730}" type="datetimeFigureOut">
               <a:rPr lang="zh-CN" altLang="en-US" smtClean="0"/>
-              <a:t>2020/3/9</a:t>
+              <a:t>2020/6/17</a:t>
             </a:fld>
             <a:endParaRPr lang="zh-CN" altLang="en-US"/>
           </a:p>
@@ -1318,7 +1318,7 @@
           <a:p>
             <a:fld id="{530820CF-B880-4189-942D-D702A7CBA730}" type="datetimeFigureOut">
               <a:rPr lang="zh-CN" altLang="en-US" smtClean="0"/>
-              <a:t>2020/3/9</a:t>
+              <a:t>2020/6/17</a:t>
             </a:fld>
             <a:endParaRPr lang="zh-CN" altLang="en-US"/>
           </a:p>
@@ -1493,7 +1493,7 @@
           <a:p>
             <a:fld id="{530820CF-B880-4189-942D-D702A7CBA730}" type="datetimeFigureOut">
               <a:rPr lang="zh-CN" altLang="en-US" smtClean="0"/>
-              <a:t>2020/3/9</a:t>
+              <a:t>2020/6/17</a:t>
             </a:fld>
             <a:endParaRPr lang="zh-CN" altLang="en-US"/>
           </a:p>
@@ -1658,7 +1658,7 @@
           <a:p>
             <a:fld id="{530820CF-B880-4189-942D-D702A7CBA730}" type="datetimeFigureOut">
               <a:rPr lang="zh-CN" altLang="en-US" smtClean="0"/>
-              <a:t>2020/3/9</a:t>
+              <a:t>2020/6/17</a:t>
             </a:fld>
             <a:endParaRPr lang="zh-CN" altLang="en-US"/>
           </a:p>
@@ -1899,7 +1899,7 @@
           <a:p>
             <a:fld id="{530820CF-B880-4189-942D-D702A7CBA730}" type="datetimeFigureOut">
               <a:rPr lang="zh-CN" altLang="en-US" smtClean="0"/>
-              <a:t>2020/3/9</a:t>
+              <a:t>2020/6/17</a:t>
             </a:fld>
             <a:endParaRPr lang="zh-CN" altLang="en-US"/>
           </a:p>
@@ -2182,7 +2182,7 @@
           <a:p>
             <a:fld id="{530820CF-B880-4189-942D-D702A7CBA730}" type="datetimeFigureOut">
               <a:rPr lang="zh-CN" altLang="en-US" smtClean="0"/>
-              <a:t>2020/3/9</a:t>
+              <a:t>2020/6/17</a:t>
             </a:fld>
             <a:endParaRPr lang="zh-CN" altLang="en-US"/>
           </a:p>
@@ -2599,7 +2599,7 @@
           <a:p>
             <a:fld id="{530820CF-B880-4189-942D-D702A7CBA730}" type="datetimeFigureOut">
               <a:rPr lang="zh-CN" altLang="en-US" smtClean="0"/>
-              <a:t>2020/3/9</a:t>
+              <a:t>2020/6/17</a:t>
             </a:fld>
             <a:endParaRPr lang="zh-CN" altLang="en-US"/>
           </a:p>
@@ -2712,7 +2712,7 @@
           <a:p>
             <a:fld id="{530820CF-B880-4189-942D-D702A7CBA730}" type="datetimeFigureOut">
               <a:rPr lang="zh-CN" altLang="en-US" smtClean="0"/>
-              <a:t>2020/3/9</a:t>
+              <a:t>2020/6/17</a:t>
             </a:fld>
             <a:endParaRPr lang="zh-CN" altLang="en-US"/>
           </a:p>
@@ -2802,7 +2802,7 @@
           <a:p>
             <a:fld id="{530820CF-B880-4189-942D-D702A7CBA730}" type="datetimeFigureOut">
               <a:rPr lang="zh-CN" altLang="en-US" smtClean="0"/>
-              <a:t>2020/3/9</a:t>
+              <a:t>2020/6/17</a:t>
             </a:fld>
             <a:endParaRPr lang="zh-CN" altLang="en-US"/>
           </a:p>
@@ -3074,7 +3074,7 @@
           <a:p>
             <a:fld id="{530820CF-B880-4189-942D-D702A7CBA730}" type="datetimeFigureOut">
               <a:rPr lang="zh-CN" altLang="en-US" smtClean="0"/>
-              <a:t>2020/3/9</a:t>
+              <a:t>2020/6/17</a:t>
             </a:fld>
             <a:endParaRPr lang="zh-CN" altLang="en-US"/>
           </a:p>
@@ -3322,7 +3322,7 @@
           <a:p>
             <a:fld id="{530820CF-B880-4189-942D-D702A7CBA730}" type="datetimeFigureOut">
               <a:rPr lang="zh-CN" altLang="en-US" smtClean="0"/>
-              <a:t>2020/3/9</a:t>
+              <a:t>2020/6/17</a:t>
             </a:fld>
             <a:endParaRPr lang="zh-CN" altLang="en-US"/>
           </a:p>
@@ -3530,7 +3530,7 @@
           <a:p>
             <a:fld id="{530820CF-B880-4189-942D-D702A7CBA730}" type="datetimeFigureOut">
               <a:rPr lang="zh-CN" altLang="en-US" smtClean="0"/>
-              <a:t>2020/3/9</a:t>
+              <a:t>2020/6/17</a:t>
             </a:fld>
             <a:endParaRPr lang="zh-CN" altLang="en-US"/>
           </a:p>
@@ -3900,672 +3900,6 @@
           <a:chExt cx="0" cy="0"/>
         </a:xfrm>
       </p:grpSpPr>
-      <p:pic>
-        <p:nvPicPr>
-          <p:cNvPr id="5" name="图片 4">
-            <a:extLst>
-              <a:ext uri="{FF2B5EF4-FFF2-40B4-BE49-F238E27FC236}">
-                <a16:creationId xmlns="" xmlns:a16="http://schemas.microsoft.com/office/drawing/2014/main" id="{0609D585-79F7-49EB-9401-E0C267C6CF88}"/>
-              </a:ext>
-            </a:extLst>
-          </p:cNvPr>
-          <p:cNvPicPr>
-            <a:picLocks noChangeAspect="1"/>
-          </p:cNvPicPr>
-          <p:nvPr/>
-        </p:nvPicPr>
-        <p:blipFill>
-          <a:blip r:embed="rId3" cstate="print">
-            <a:extLst>
-              <a:ext uri="{28A0092B-C50C-407E-A947-70E740481C1C}">
-                <a14:useLocalDpi xmlns:a14="http://schemas.microsoft.com/office/drawing/2010/main" val="0"/>
-              </a:ext>
-            </a:extLst>
-          </a:blip>
-          <a:stretch>
-            <a:fillRect/>
-          </a:stretch>
-        </p:blipFill>
-        <p:spPr>
-          <a:xfrm>
-            <a:off x="1753297" y="1356679"/>
-            <a:ext cx="874487" cy="874487"/>
-          </a:xfrm>
-          <a:prstGeom prst="rect">
-            <a:avLst/>
-          </a:prstGeom>
-        </p:spPr>
-      </p:pic>
-      <p:sp>
-        <p:nvSpPr>
-          <p:cNvPr id="7" name="同心圆 6"/>
-          <p:cNvSpPr/>
-          <p:nvPr/>
-        </p:nvSpPr>
-        <p:spPr>
-          <a:xfrm>
-            <a:off x="5148064" y="1356679"/>
-            <a:ext cx="648072" cy="648072"/>
-          </a:xfrm>
-          <a:prstGeom prst="donut">
-            <a:avLst/>
-          </a:prstGeom>
-          <a:solidFill>
-            <a:schemeClr val="tx1"/>
-          </a:solidFill>
-          <a:ln>
-            <a:noFill/>
-          </a:ln>
-        </p:spPr>
-        <p:style>
-          <a:lnRef idx="2">
-            <a:schemeClr val="accent1">
-              <a:shade val="50000"/>
-            </a:schemeClr>
-          </a:lnRef>
-          <a:fillRef idx="1">
-            <a:schemeClr val="accent1"/>
-          </a:fillRef>
-          <a:effectRef idx="0">
-            <a:schemeClr val="accent1"/>
-          </a:effectRef>
-          <a:fontRef idx="minor">
-            <a:schemeClr val="lt1"/>
-          </a:fontRef>
-        </p:style>
-        <p:txBody>
-          <a:bodyPr rtlCol="0" anchor="ctr"/>
-          <a:lstStyle/>
-          <a:p>
-            <a:pPr algn="ctr"/>
-            <a:endParaRPr lang="zh-CN" altLang="en-US">
-              <a:solidFill>
-                <a:schemeClr val="tx1"/>
-              </a:solidFill>
-            </a:endParaRPr>
-          </a:p>
-        </p:txBody>
-      </p:sp>
-      <p:sp>
-        <p:nvSpPr>
-          <p:cNvPr id="8" name="同心圆 7"/>
-          <p:cNvSpPr/>
-          <p:nvPr/>
-        </p:nvSpPr>
-        <p:spPr>
-          <a:xfrm>
-            <a:off x="5940152" y="3120832"/>
-            <a:ext cx="648072" cy="648072"/>
-          </a:xfrm>
-          <a:prstGeom prst="donut">
-            <a:avLst/>
-          </a:prstGeom>
-          <a:solidFill>
-            <a:schemeClr val="tx1"/>
-          </a:solidFill>
-          <a:ln>
-            <a:noFill/>
-          </a:ln>
-        </p:spPr>
-        <p:style>
-          <a:lnRef idx="2">
-            <a:schemeClr val="accent1">
-              <a:shade val="50000"/>
-            </a:schemeClr>
-          </a:lnRef>
-          <a:fillRef idx="1">
-            <a:schemeClr val="accent1"/>
-          </a:fillRef>
-          <a:effectRef idx="0">
-            <a:schemeClr val="accent1"/>
-          </a:effectRef>
-          <a:fontRef idx="minor">
-            <a:schemeClr val="lt1"/>
-          </a:fontRef>
-        </p:style>
-        <p:txBody>
-          <a:bodyPr rtlCol="0" anchor="ctr"/>
-          <a:lstStyle/>
-          <a:p>
-            <a:pPr algn="ctr"/>
-            <a:endParaRPr lang="zh-CN" altLang="en-US">
-              <a:solidFill>
-                <a:schemeClr val="tx1"/>
-              </a:solidFill>
-            </a:endParaRPr>
-          </a:p>
-        </p:txBody>
-      </p:sp>
-      <p:sp>
-        <p:nvSpPr>
-          <p:cNvPr id="9" name="同心圆 8"/>
-          <p:cNvSpPr/>
-          <p:nvPr/>
-        </p:nvSpPr>
-        <p:spPr>
-          <a:xfrm>
-            <a:off x="5060051" y="2424511"/>
-            <a:ext cx="648072" cy="648072"/>
-          </a:xfrm>
-          <a:prstGeom prst="donut">
-            <a:avLst/>
-          </a:prstGeom>
-          <a:solidFill>
-            <a:schemeClr val="tx1"/>
-          </a:solidFill>
-          <a:ln>
-            <a:noFill/>
-          </a:ln>
-        </p:spPr>
-        <p:style>
-          <a:lnRef idx="2">
-            <a:schemeClr val="accent1">
-              <a:shade val="50000"/>
-            </a:schemeClr>
-          </a:lnRef>
-          <a:fillRef idx="1">
-            <a:schemeClr val="accent1"/>
-          </a:fillRef>
-          <a:effectRef idx="0">
-            <a:schemeClr val="accent1"/>
-          </a:effectRef>
-          <a:fontRef idx="minor">
-            <a:schemeClr val="lt1"/>
-          </a:fontRef>
-        </p:style>
-        <p:txBody>
-          <a:bodyPr rtlCol="0" anchor="ctr"/>
-          <a:lstStyle/>
-          <a:p>
-            <a:pPr algn="ctr"/>
-            <a:endParaRPr lang="zh-CN" altLang="en-US">
-              <a:solidFill>
-                <a:schemeClr val="tx1"/>
-              </a:solidFill>
-            </a:endParaRPr>
-          </a:p>
-        </p:txBody>
-      </p:sp>
-      <p:sp>
-        <p:nvSpPr>
-          <p:cNvPr id="10" name="同心圆 9"/>
-          <p:cNvSpPr/>
-          <p:nvPr/>
-        </p:nvSpPr>
-        <p:spPr>
-          <a:xfrm>
-            <a:off x="5093423" y="3546035"/>
-            <a:ext cx="648072" cy="648072"/>
-          </a:xfrm>
-          <a:prstGeom prst="donut">
-            <a:avLst/>
-          </a:prstGeom>
-          <a:solidFill>
-            <a:schemeClr val="tx1"/>
-          </a:solidFill>
-          <a:ln>
-            <a:noFill/>
-          </a:ln>
-        </p:spPr>
-        <p:style>
-          <a:lnRef idx="2">
-            <a:schemeClr val="accent1">
-              <a:shade val="50000"/>
-            </a:schemeClr>
-          </a:lnRef>
-          <a:fillRef idx="1">
-            <a:schemeClr val="accent1"/>
-          </a:fillRef>
-          <a:effectRef idx="0">
-            <a:schemeClr val="accent1"/>
-          </a:effectRef>
-          <a:fontRef idx="minor">
-            <a:schemeClr val="lt1"/>
-          </a:fontRef>
-        </p:style>
-        <p:txBody>
-          <a:bodyPr rtlCol="0" anchor="ctr"/>
-          <a:lstStyle/>
-          <a:p>
-            <a:pPr algn="ctr"/>
-            <a:endParaRPr lang="zh-CN" altLang="en-US">
-              <a:solidFill>
-                <a:schemeClr val="tx1"/>
-              </a:solidFill>
-            </a:endParaRPr>
-          </a:p>
-        </p:txBody>
-      </p:sp>
-      <p:sp>
-        <p:nvSpPr>
-          <p:cNvPr id="11" name="同心圆 10"/>
-          <p:cNvSpPr/>
-          <p:nvPr/>
-        </p:nvSpPr>
-        <p:spPr>
-          <a:xfrm>
-            <a:off x="5727631" y="4050091"/>
-            <a:ext cx="648072" cy="648072"/>
-          </a:xfrm>
-          <a:prstGeom prst="donut">
-            <a:avLst/>
-          </a:prstGeom>
-          <a:solidFill>
-            <a:schemeClr val="tx1"/>
-          </a:solidFill>
-          <a:ln>
-            <a:noFill/>
-          </a:ln>
-        </p:spPr>
-        <p:style>
-          <a:lnRef idx="2">
-            <a:schemeClr val="accent1">
-              <a:shade val="50000"/>
-            </a:schemeClr>
-          </a:lnRef>
-          <a:fillRef idx="1">
-            <a:schemeClr val="accent1"/>
-          </a:fillRef>
-          <a:effectRef idx="0">
-            <a:schemeClr val="accent1"/>
-          </a:effectRef>
-          <a:fontRef idx="minor">
-            <a:schemeClr val="lt1"/>
-          </a:fontRef>
-        </p:style>
-        <p:txBody>
-          <a:bodyPr rtlCol="0" anchor="ctr"/>
-          <a:lstStyle/>
-          <a:p>
-            <a:pPr algn="ctr"/>
-            <a:endParaRPr lang="zh-CN" altLang="en-US">
-              <a:solidFill>
-                <a:schemeClr val="tx1"/>
-              </a:solidFill>
-            </a:endParaRPr>
-          </a:p>
-        </p:txBody>
-      </p:sp>
-      <p:sp>
-        <p:nvSpPr>
-          <p:cNvPr id="12" name="同心圆 11"/>
-          <p:cNvSpPr/>
-          <p:nvPr/>
-        </p:nvSpPr>
-        <p:spPr>
-          <a:xfrm>
-            <a:off x="6747466" y="2676743"/>
-            <a:ext cx="648072" cy="648072"/>
-          </a:xfrm>
-          <a:prstGeom prst="donut">
-            <a:avLst/>
-          </a:prstGeom>
-          <a:solidFill>
-            <a:schemeClr val="tx1"/>
-          </a:solidFill>
-          <a:ln>
-            <a:noFill/>
-          </a:ln>
-        </p:spPr>
-        <p:style>
-          <a:lnRef idx="2">
-            <a:schemeClr val="accent1">
-              <a:shade val="50000"/>
-            </a:schemeClr>
-          </a:lnRef>
-          <a:fillRef idx="1">
-            <a:schemeClr val="accent1"/>
-          </a:fillRef>
-          <a:effectRef idx="0">
-            <a:schemeClr val="accent1"/>
-          </a:effectRef>
-          <a:fontRef idx="minor">
-            <a:schemeClr val="lt1"/>
-          </a:fontRef>
-        </p:style>
-        <p:txBody>
-          <a:bodyPr rtlCol="0" anchor="ctr"/>
-          <a:lstStyle/>
-          <a:p>
-            <a:pPr algn="ctr"/>
-            <a:endParaRPr lang="zh-CN" altLang="en-US">
-              <a:solidFill>
-                <a:schemeClr val="tx1"/>
-              </a:solidFill>
-            </a:endParaRPr>
-          </a:p>
-        </p:txBody>
-      </p:sp>
-      <p:sp>
-        <p:nvSpPr>
-          <p:cNvPr id="13" name="同心圆 12"/>
-          <p:cNvSpPr/>
-          <p:nvPr/>
-        </p:nvSpPr>
-        <p:spPr>
-          <a:xfrm>
-            <a:off x="6423430" y="1469886"/>
-            <a:ext cx="648072" cy="648072"/>
-          </a:xfrm>
-          <a:prstGeom prst="donut">
-            <a:avLst/>
-          </a:prstGeom>
-          <a:solidFill>
-            <a:schemeClr val="tx1"/>
-          </a:solidFill>
-          <a:ln>
-            <a:noFill/>
-          </a:ln>
-        </p:spPr>
-        <p:style>
-          <a:lnRef idx="2">
-            <a:schemeClr val="accent1">
-              <a:shade val="50000"/>
-            </a:schemeClr>
-          </a:lnRef>
-          <a:fillRef idx="1">
-            <a:schemeClr val="accent1"/>
-          </a:fillRef>
-          <a:effectRef idx="0">
-            <a:schemeClr val="accent1"/>
-          </a:effectRef>
-          <a:fontRef idx="minor">
-            <a:schemeClr val="lt1"/>
-          </a:fontRef>
-        </p:style>
-        <p:txBody>
-          <a:bodyPr rtlCol="0" anchor="ctr"/>
-          <a:lstStyle/>
-          <a:p>
-            <a:pPr algn="ctr"/>
-            <a:endParaRPr lang="zh-CN" altLang="en-US">
-              <a:solidFill>
-                <a:schemeClr val="tx1"/>
-              </a:solidFill>
-            </a:endParaRPr>
-          </a:p>
-        </p:txBody>
-      </p:sp>
-      <p:sp>
-        <p:nvSpPr>
-          <p:cNvPr id="14" name="同心圆 13"/>
-          <p:cNvSpPr/>
-          <p:nvPr/>
-        </p:nvSpPr>
-        <p:spPr>
-          <a:xfrm>
-            <a:off x="6747466" y="3546035"/>
-            <a:ext cx="648072" cy="648072"/>
-          </a:xfrm>
-          <a:prstGeom prst="donut">
-            <a:avLst/>
-          </a:prstGeom>
-          <a:solidFill>
-            <a:schemeClr val="tx1"/>
-          </a:solidFill>
-          <a:ln>
-            <a:noFill/>
-          </a:ln>
-        </p:spPr>
-        <p:style>
-          <a:lnRef idx="2">
-            <a:schemeClr val="accent1">
-              <a:shade val="50000"/>
-            </a:schemeClr>
-          </a:lnRef>
-          <a:fillRef idx="1">
-            <a:schemeClr val="accent1"/>
-          </a:fillRef>
-          <a:effectRef idx="0">
-            <a:schemeClr val="accent1"/>
-          </a:effectRef>
-          <a:fontRef idx="minor">
-            <a:schemeClr val="lt1"/>
-          </a:fontRef>
-        </p:style>
-        <p:txBody>
-          <a:bodyPr rtlCol="0" anchor="ctr"/>
-          <a:lstStyle/>
-          <a:p>
-            <a:pPr algn="ctr"/>
-            <a:endParaRPr lang="zh-CN" altLang="en-US">
-              <a:solidFill>
-                <a:schemeClr val="tx1"/>
-              </a:solidFill>
-            </a:endParaRPr>
-          </a:p>
-        </p:txBody>
-      </p:sp>
-      <p:pic>
-        <p:nvPicPr>
-          <p:cNvPr id="15" name="图片 14">
-            <a:extLst>
-              <a:ext uri="{FF2B5EF4-FFF2-40B4-BE49-F238E27FC236}">
-                <a16:creationId xmlns="" xmlns:a16="http://schemas.microsoft.com/office/drawing/2014/main" id="{0609D585-79F7-49EB-9401-E0C267C6CF88}"/>
-              </a:ext>
-            </a:extLst>
-          </p:cNvPr>
-          <p:cNvPicPr>
-            <a:picLocks noChangeAspect="1"/>
-          </p:cNvPicPr>
-          <p:nvPr/>
-        </p:nvPicPr>
-        <p:blipFill>
-          <a:blip r:embed="rId3" cstate="print">
-            <a:extLst>
-              <a:ext uri="{28A0092B-C50C-407E-A947-70E740481C1C}">
-                <a14:useLocalDpi xmlns:a14="http://schemas.microsoft.com/office/drawing/2010/main" val="0"/>
-              </a:ext>
-            </a:extLst>
-          </a:blip>
-          <a:stretch>
-            <a:fillRect/>
-          </a:stretch>
-        </p:blipFill>
-        <p:spPr>
-          <a:xfrm>
-            <a:off x="2339752" y="2347512"/>
-            <a:ext cx="874487" cy="874487"/>
-          </a:xfrm>
-          <a:prstGeom prst="rect">
-            <a:avLst/>
-          </a:prstGeom>
-        </p:spPr>
-      </p:pic>
-      <p:pic>
-        <p:nvPicPr>
-          <p:cNvPr id="16" name="图片 15">
-            <a:extLst>
-              <a:ext uri="{FF2B5EF4-FFF2-40B4-BE49-F238E27FC236}">
-                <a16:creationId xmlns="" xmlns:a16="http://schemas.microsoft.com/office/drawing/2014/main" id="{0609D585-79F7-49EB-9401-E0C267C6CF88}"/>
-              </a:ext>
-            </a:extLst>
-          </p:cNvPr>
-          <p:cNvPicPr>
-            <a:picLocks noChangeAspect="1"/>
-          </p:cNvPicPr>
-          <p:nvPr/>
-        </p:nvPicPr>
-        <p:blipFill>
-          <a:blip r:embed="rId3" cstate="print">
-            <a:extLst>
-              <a:ext uri="{28A0092B-C50C-407E-A947-70E740481C1C}">
-                <a14:useLocalDpi xmlns:a14="http://schemas.microsoft.com/office/drawing/2010/main" val="0"/>
-              </a:ext>
-            </a:extLst>
-          </a:blip>
-          <a:stretch>
-            <a:fillRect/>
-          </a:stretch>
-        </p:blipFill>
-        <p:spPr>
-          <a:xfrm>
-            <a:off x="1465265" y="2563536"/>
-            <a:ext cx="874487" cy="874487"/>
-          </a:xfrm>
-          <a:prstGeom prst="rect">
-            <a:avLst/>
-          </a:prstGeom>
-        </p:spPr>
-      </p:pic>
-      <p:pic>
-        <p:nvPicPr>
-          <p:cNvPr id="17" name="图片 16">
-            <a:extLst>
-              <a:ext uri="{FF2B5EF4-FFF2-40B4-BE49-F238E27FC236}">
-                <a16:creationId xmlns="" xmlns:a16="http://schemas.microsoft.com/office/drawing/2014/main" id="{0609D585-79F7-49EB-9401-E0C267C6CF88}"/>
-              </a:ext>
-            </a:extLst>
-          </p:cNvPr>
-          <p:cNvPicPr>
-            <a:picLocks noChangeAspect="1"/>
-          </p:cNvPicPr>
-          <p:nvPr/>
-        </p:nvPicPr>
-        <p:blipFill>
-          <a:blip r:embed="rId3" cstate="print">
-            <a:extLst>
-              <a:ext uri="{28A0092B-C50C-407E-A947-70E740481C1C}">
-                <a14:useLocalDpi xmlns:a14="http://schemas.microsoft.com/office/drawing/2010/main" val="0"/>
-              </a:ext>
-            </a:extLst>
-          </a:blip>
-          <a:stretch>
-            <a:fillRect/>
-          </a:stretch>
-        </p:blipFill>
-        <p:spPr>
-          <a:xfrm>
-            <a:off x="1753297" y="3552985"/>
-            <a:ext cx="874487" cy="874487"/>
-          </a:xfrm>
-          <a:prstGeom prst="rect">
-            <a:avLst/>
-          </a:prstGeom>
-        </p:spPr>
-      </p:pic>
-      <p:pic>
-        <p:nvPicPr>
-          <p:cNvPr id="18" name="图片 17">
-            <a:extLst>
-              <a:ext uri="{FF2B5EF4-FFF2-40B4-BE49-F238E27FC236}">
-                <a16:creationId xmlns="" xmlns:a16="http://schemas.microsoft.com/office/drawing/2014/main" id="{0609D585-79F7-49EB-9401-E0C267C6CF88}"/>
-              </a:ext>
-            </a:extLst>
-          </p:cNvPr>
-          <p:cNvPicPr>
-            <a:picLocks noChangeAspect="1"/>
-          </p:cNvPicPr>
-          <p:nvPr/>
-        </p:nvPicPr>
-        <p:blipFill>
-          <a:blip r:embed="rId3" cstate="print">
-            <a:extLst>
-              <a:ext uri="{28A0092B-C50C-407E-A947-70E740481C1C}">
-                <a14:useLocalDpi xmlns:a14="http://schemas.microsoft.com/office/drawing/2010/main" val="0"/>
-              </a:ext>
-            </a:extLst>
-          </a:blip>
-          <a:stretch>
-            <a:fillRect/>
-          </a:stretch>
-        </p:blipFill>
-        <p:spPr>
-          <a:xfrm>
-            <a:off x="2109821" y="4659147"/>
-            <a:ext cx="874487" cy="874487"/>
-          </a:xfrm>
-          <a:prstGeom prst="rect">
-            <a:avLst/>
-          </a:prstGeom>
-        </p:spPr>
-      </p:pic>
-      <p:pic>
-        <p:nvPicPr>
-          <p:cNvPr id="19" name="图片 18">
-            <a:extLst>
-              <a:ext uri="{FF2B5EF4-FFF2-40B4-BE49-F238E27FC236}">
-                <a16:creationId xmlns="" xmlns:a16="http://schemas.microsoft.com/office/drawing/2014/main" id="{0609D585-79F7-49EB-9401-E0C267C6CF88}"/>
-              </a:ext>
-            </a:extLst>
-          </p:cNvPr>
-          <p:cNvPicPr>
-            <a:picLocks noChangeAspect="1"/>
-          </p:cNvPicPr>
-          <p:nvPr/>
-        </p:nvPicPr>
-        <p:blipFill>
-          <a:blip r:embed="rId3" cstate="print">
-            <a:extLst>
-              <a:ext uri="{28A0092B-C50C-407E-A947-70E740481C1C}">
-                <a14:useLocalDpi xmlns:a14="http://schemas.microsoft.com/office/drawing/2010/main" val="0"/>
-              </a:ext>
-            </a:extLst>
-          </a:blip>
-          <a:stretch>
-            <a:fillRect/>
-          </a:stretch>
-        </p:blipFill>
-        <p:spPr>
-          <a:xfrm>
-            <a:off x="870933" y="3981609"/>
-            <a:ext cx="874487" cy="874487"/>
-          </a:xfrm>
-          <a:prstGeom prst="rect">
-            <a:avLst/>
-          </a:prstGeom>
-        </p:spPr>
-      </p:pic>
-      <p:sp>
-        <p:nvSpPr>
-          <p:cNvPr id="20" name="同心圆 19"/>
-          <p:cNvSpPr/>
-          <p:nvPr/>
-        </p:nvSpPr>
-        <p:spPr>
-          <a:xfrm>
-            <a:off x="5896037" y="4885562"/>
-            <a:ext cx="648072" cy="648072"/>
-          </a:xfrm>
-          <a:prstGeom prst="donut">
-            <a:avLst/>
-          </a:prstGeom>
-          <a:solidFill>
-            <a:schemeClr val="tx1"/>
-          </a:solidFill>
-          <a:ln>
-            <a:noFill/>
-          </a:ln>
-        </p:spPr>
-        <p:style>
-          <a:lnRef idx="2">
-            <a:schemeClr val="accent1">
-              <a:shade val="50000"/>
-            </a:schemeClr>
-          </a:lnRef>
-          <a:fillRef idx="1">
-            <a:schemeClr val="accent1"/>
-          </a:fillRef>
-          <a:effectRef idx="0">
-            <a:schemeClr val="accent1"/>
-          </a:effectRef>
-          <a:fontRef idx="minor">
-            <a:schemeClr val="lt1"/>
-          </a:fontRef>
-        </p:style>
-        <p:txBody>
-          <a:bodyPr rtlCol="0" anchor="ctr"/>
-          <a:lstStyle/>
-          <a:p>
-            <a:pPr algn="ctr"/>
-            <a:endParaRPr lang="zh-CN" altLang="en-US">
-              <a:solidFill>
-                <a:schemeClr val="tx1"/>
-              </a:solidFill>
-            </a:endParaRPr>
-          </a:p>
-        </p:txBody>
-      </p:sp>
       <p:cxnSp>
         <p:nvCxnSpPr>
           <p:cNvPr id="22" name="直接连接符 21"/>
@@ -4574,8 +3908,8 @@
         </p:nvCxnSpPr>
         <p:spPr>
           <a:xfrm>
-            <a:off x="2627784" y="593707"/>
-            <a:ext cx="3080339" cy="5859629"/>
+            <a:off x="1209015" y="1591339"/>
+            <a:ext cx="2153038" cy="4095654"/>
           </a:xfrm>
           <a:prstGeom prst="line">
             <a:avLst/>
@@ -4610,8 +3944,8 @@
         </p:nvCxnSpPr>
         <p:spPr>
           <a:xfrm>
-            <a:off x="3491880" y="404664"/>
-            <a:ext cx="1044116" cy="5688632"/>
+            <a:off x="1812984" y="1459206"/>
+            <a:ext cx="729797" cy="3976133"/>
           </a:xfrm>
           <a:prstGeom prst="line">
             <a:avLst/>
@@ -4645,8 +3979,8 @@
         </p:nvCxnSpPr>
         <p:spPr>
           <a:xfrm flipH="1">
-            <a:off x="3214240" y="404664"/>
-            <a:ext cx="1573784" cy="5688632"/>
+            <a:off x="1618925" y="1459206"/>
+            <a:ext cx="1100014" cy="3976133"/>
           </a:xfrm>
           <a:prstGeom prst="line">
             <a:avLst/>
@@ -4683,8 +4017,8 @@
         </p:nvSpPr>
         <p:spPr bwMode="auto">
           <a:xfrm>
-            <a:off x="155575" y="-144463"/>
-            <a:ext cx="304800" cy="304801"/>
+            <a:off x="2180102" y="4158445"/>
+            <a:ext cx="213043" cy="213044"/>
           </a:xfrm>
           <a:prstGeom prst="rect">
             <a:avLst/>
@@ -4712,123 +4046,6 @@
           </a:p>
         </p:txBody>
       </p:sp>
-      <p:sp>
-        <p:nvSpPr>
-          <p:cNvPr id="37" name="AutoShape 4" descr="http://gss0.baidu.com/-4o3dSag_xI4khGko9WTAnF6hhy/zhidao/wh%3D450%2C600/sign=224429c4dcb44aed591bb6e0862cab37/738b4710b912c8fc6792dc43fa039245d78821de.jpg"/>
-          <p:cNvSpPr>
-            <a:spLocks noChangeAspect="1" noChangeArrowheads="1"/>
-          </p:cNvSpPr>
-          <p:nvPr/>
-        </p:nvSpPr>
-        <p:spPr bwMode="auto">
-          <a:xfrm>
-            <a:off x="307975" y="7937"/>
-            <a:ext cx="304800" cy="304801"/>
-          </a:xfrm>
-          <a:prstGeom prst="rect">
-            <a:avLst/>
-          </a:prstGeom>
-          <a:noFill/>
-          <a:extLst>
-            <a:ext uri="{909E8E84-426E-40DD-AFC4-6F175D3DCCD1}">
-              <a14:hiddenFill xmlns:a14="http://schemas.microsoft.com/office/drawing/2010/main">
-                <a:solidFill>
-                  <a:srgbClr val="FFFFFF"/>
-                </a:solidFill>
-              </a14:hiddenFill>
-            </a:ext>
-          </a:extLst>
-        </p:spPr>
-        <p:txBody>
-          <a:bodyPr vert="horz" wrap="square" lIns="91440" tIns="45720" rIns="91440" bIns="45720" numCol="1" anchor="t" anchorCtr="0" compatLnSpc="1">
-            <a:prstTxWarp prst="textNoShape">
-              <a:avLst/>
-            </a:prstTxWarp>
-          </a:bodyPr>
-          <a:lstStyle/>
-          <a:p>
-            <a:endParaRPr lang="zh-CN" altLang="en-US"/>
-          </a:p>
-        </p:txBody>
-      </p:sp>
-      <p:sp>
-        <p:nvSpPr>
-          <p:cNvPr id="39" name="AutoShape 9" descr="http://img.tukuppt.com/png_preview/00/20/75/7AAIhothGg.jpg!/fw/780"/>
-          <p:cNvSpPr>
-            <a:spLocks noChangeAspect="1" noChangeArrowheads="1"/>
-          </p:cNvSpPr>
-          <p:nvPr/>
-        </p:nvSpPr>
-        <p:spPr bwMode="auto">
-          <a:xfrm>
-            <a:off x="460375" y="160337"/>
-            <a:ext cx="304800" cy="304801"/>
-          </a:xfrm>
-          <a:prstGeom prst="rect">
-            <a:avLst/>
-          </a:prstGeom>
-          <a:noFill/>
-          <a:extLst>
-            <a:ext uri="{909E8E84-426E-40DD-AFC4-6F175D3DCCD1}">
-              <a14:hiddenFill xmlns:a14="http://schemas.microsoft.com/office/drawing/2010/main">
-                <a:solidFill>
-                  <a:srgbClr val="FFFFFF"/>
-                </a:solidFill>
-              </a14:hiddenFill>
-            </a:ext>
-          </a:extLst>
-        </p:spPr>
-        <p:txBody>
-          <a:bodyPr vert="horz" wrap="square" lIns="91440" tIns="45720" rIns="91440" bIns="45720" numCol="1" anchor="t" anchorCtr="0" compatLnSpc="1">
-            <a:prstTxWarp prst="textNoShape">
-              <a:avLst/>
-            </a:prstTxWarp>
-          </a:bodyPr>
-          <a:lstStyle/>
-          <a:p>
-            <a:endParaRPr lang="zh-CN" altLang="en-US"/>
-          </a:p>
-        </p:txBody>
-      </p:sp>
-      <p:sp>
-        <p:nvSpPr>
-          <p:cNvPr id="40" name="AutoShape 11" descr="http://img.tukuppt.com/png_preview/00/20/75/7AAIhothGg.jpg!/fw/780"/>
-          <p:cNvSpPr>
-            <a:spLocks noChangeAspect="1" noChangeArrowheads="1"/>
-          </p:cNvSpPr>
-          <p:nvPr/>
-        </p:nvSpPr>
-        <p:spPr bwMode="auto">
-          <a:xfrm>
-            <a:off x="612775" y="312737"/>
-            <a:ext cx="304800" cy="304801"/>
-          </a:xfrm>
-          <a:prstGeom prst="rect">
-            <a:avLst/>
-          </a:prstGeom>
-          <a:noFill/>
-          <a:extLst>
-            <a:ext uri="{909E8E84-426E-40DD-AFC4-6F175D3DCCD1}">
-              <a14:hiddenFill xmlns:a14="http://schemas.microsoft.com/office/drawing/2010/main">
-                <a:solidFill>
-                  <a:srgbClr val="FFFFFF"/>
-                </a:solidFill>
-              </a14:hiddenFill>
-            </a:ext>
-          </a:extLst>
-        </p:spPr>
-        <p:txBody>
-          <a:bodyPr vert="horz" wrap="square" lIns="91440" tIns="45720" rIns="91440" bIns="45720" numCol="1" anchor="t" anchorCtr="0" compatLnSpc="1">
-            <a:prstTxWarp prst="textNoShape">
-              <a:avLst/>
-            </a:prstTxWarp>
-          </a:bodyPr>
-          <a:lstStyle/>
-          <a:p>
-            <a:endParaRPr lang="zh-CN" altLang="en-US"/>
-          </a:p>
-        </p:txBody>
-      </p:sp>
       <p:pic>
         <p:nvPicPr>
           <p:cNvPr id="1036" name="Picture 12"/>
@@ -4838,11 +4055,11 @@
           <p:nvPr/>
         </p:nvPicPr>
         <p:blipFill>
-          <a:blip r:embed="rId4" cstate="print">
+          <a:blip r:embed="rId3" cstate="print">
             <a:extLst>
               <a:ext uri="{BEBA8EAE-BF5A-486C-A8C5-ECC9F3942E4B}">
                 <a14:imgProps xmlns:a14="http://schemas.microsoft.com/office/drawing/2010/main">
-                  <a14:imgLayer r:embed="rId5">
+                  <a14:imgLayer r:embed="rId4">
                     <a14:imgEffect>
                       <a14:backgroundRemoval t="3516" b="97266" l="9961" r="89844">
                         <a14:foregroundMark x1="51563" y1="94531" x2="46094" y2="83398"/>
@@ -4868,8 +4085,8 @@
         </p:blipFill>
         <p:spPr bwMode="auto">
           <a:xfrm>
-            <a:off x="3742599" y="931325"/>
-            <a:ext cx="850707" cy="850707"/>
+            <a:off x="1988227" y="1827321"/>
+            <a:ext cx="594611" cy="594611"/>
           </a:xfrm>
           <a:prstGeom prst="rect">
             <a:avLst/>
@@ -4918,25 +4135,25 @@
           <p:nvPr>
             <p:extLst>
               <p:ext uri="{D42A27DB-BD31-4B8C-83A1-F6EECF244321}">
-                <p14:modId xmlns:p14="http://schemas.microsoft.com/office/powerpoint/2010/main" val="81993633"/>
+                <p14:modId xmlns:p14="http://schemas.microsoft.com/office/powerpoint/2010/main" val="2631759853"/>
               </p:ext>
             </p:extLst>
           </p:nvPr>
         </p:nvGraphicFramePr>
         <p:xfrm>
-          <a:off x="3074039" y="-34925"/>
-          <a:ext cx="387505" cy="775010"/>
+          <a:off x="1520930" y="1151950"/>
+          <a:ext cx="270851" cy="541702"/>
         </p:xfrm>
         <a:graphic>
           <a:graphicData uri="http://schemas.openxmlformats.org/presentationml/2006/ole">
             <mc:AlternateContent xmlns:mc="http://schemas.openxmlformats.org/markup-compatibility/2006">
               <mc:Choice xmlns:v="urn:schemas-microsoft-com:vml" Requires="v">
-                <p:oleObj spid="_x0000_s1077" name="Equation" r:id="rId6" imgW="114120" imgH="228600" progId="Equation.DSMT4">
+                <p:oleObj spid="_x0000_s1092" name="Equation" r:id="rId5" imgW="114120" imgH="228600" progId="Equation.DSMT4">
                   <p:embed/>
                 </p:oleObj>
               </mc:Choice>
               <mc:Fallback>
-                <p:oleObj name="Equation" r:id="rId6" imgW="114120" imgH="228600" progId="Equation.DSMT4">
+                <p:oleObj name="Equation" r:id="rId5" imgW="114120" imgH="228600" progId="Equation.DSMT4">
                   <p:embed/>
                   <p:pic>
                     <p:nvPicPr>
@@ -4945,15 +4162,15 @@
                       <p:nvPr/>
                     </p:nvPicPr>
                     <p:blipFill>
-                      <a:blip r:embed="rId7"/>
+                      <a:blip r:embed="rId6"/>
                       <a:stretch>
                         <a:fillRect/>
                       </a:stretch>
                     </p:blipFill>
                     <p:spPr>
                       <a:xfrm>
-                        <a:off x="3074039" y="-34925"/>
-                        <a:ext cx="387505" cy="775010"/>
+                        <a:off x="1520930" y="1151950"/>
+                        <a:ext cx="270851" cy="541702"/>
                       </a:xfrm>
                       <a:prstGeom prst="rect">
                         <a:avLst/>
@@ -4975,25 +4192,25 @@
           <p:nvPr>
             <p:extLst>
               <p:ext uri="{D42A27DB-BD31-4B8C-83A1-F6EECF244321}">
-                <p14:modId xmlns:p14="http://schemas.microsoft.com/office/powerpoint/2010/main" val="2849940643"/>
+                <p14:modId xmlns:p14="http://schemas.microsoft.com/office/powerpoint/2010/main" val="3548271320"/>
               </p:ext>
             </p:extLst>
           </p:nvPr>
         </p:nvGraphicFramePr>
         <p:xfrm>
-          <a:off x="4845050" y="-4763"/>
-          <a:ext cx="430213" cy="774701"/>
+          <a:off x="2758798" y="1173032"/>
+          <a:ext cx="300702" cy="541486"/>
         </p:xfrm>
         <a:graphic>
           <a:graphicData uri="http://schemas.openxmlformats.org/presentationml/2006/ole">
             <mc:AlternateContent xmlns:mc="http://schemas.openxmlformats.org/markup-compatibility/2006">
               <mc:Choice xmlns:v="urn:schemas-microsoft-com:vml" Requires="v">
-                <p:oleObj spid="_x0000_s1078" name="Equation" r:id="rId8" imgW="126720" imgH="228600" progId="Equation.DSMT4">
+                <p:oleObj spid="_x0000_s1093" name="Equation" r:id="rId7" imgW="126720" imgH="228600" progId="Equation.DSMT4">
                   <p:embed/>
                 </p:oleObj>
               </mc:Choice>
               <mc:Fallback>
-                <p:oleObj name="Equation" r:id="rId8" imgW="126720" imgH="228600" progId="Equation.DSMT4">
+                <p:oleObj name="Equation" r:id="rId7" imgW="126720" imgH="228600" progId="Equation.DSMT4">
                   <p:embed/>
                   <p:pic>
                     <p:nvPicPr>
@@ -5004,7 +4221,7 @@
                       <p:nvPr/>
                     </p:nvPicPr>
                     <p:blipFill>
-                      <a:blip r:embed="rId9"/>
+                      <a:blip r:embed="rId8"/>
                       <a:srcRect/>
                       <a:stretch>
                         <a:fillRect/>
@@ -5012,8 +4229,755 @@
                     </p:blipFill>
                     <p:spPr bwMode="auto">
                       <a:xfrm>
-                        <a:off x="4845050" y="-4763"/>
-                        <a:ext cx="430213" cy="774701"/>
+                        <a:off x="2758798" y="1173032"/>
+                        <a:ext cx="300702" cy="541486"/>
+                      </a:xfrm>
+                      <a:prstGeom prst="rect">
+                        <a:avLst/>
+                      </a:prstGeom>
+                      <a:noFill/>
+                      <a:ln>
+                        <a:noFill/>
+                      </a:ln>
+                      <a:extLst/>
+                    </p:spPr>
+                  </p:pic>
+                </p:oleObj>
+              </mc:Fallback>
+            </mc:AlternateContent>
+          </a:graphicData>
+        </a:graphic>
+      </p:graphicFrame>
+      <p:graphicFrame>
+        <p:nvGraphicFramePr>
+          <p:cNvPr id="43" name="对象 42"/>
+          <p:cNvGraphicFramePr>
+            <a:graphicFrameLocks noChangeAspect="1"/>
+          </p:cNvGraphicFramePr>
+          <p:nvPr>
+            <p:extLst>
+              <p:ext uri="{D42A27DB-BD31-4B8C-83A1-F6EECF244321}">
+                <p14:modId xmlns:p14="http://schemas.microsoft.com/office/powerpoint/2010/main" val="3150074062"/>
+              </p:ext>
+            </p:extLst>
+          </p:nvPr>
+        </p:nvGraphicFramePr>
+        <p:xfrm>
+          <a:off x="846979" y="1285835"/>
+          <a:ext cx="300702" cy="541486"/>
+        </p:xfrm>
+        <a:graphic>
+          <a:graphicData uri="http://schemas.openxmlformats.org/presentationml/2006/ole">
+            <mc:AlternateContent xmlns:mc="http://schemas.openxmlformats.org/markup-compatibility/2006">
+              <mc:Choice xmlns:v="urn:schemas-microsoft-com:vml" Requires="v">
+                <p:oleObj spid="_x0000_s1094" name="Equation" r:id="rId9" imgW="126720" imgH="228600" progId="Equation.DSMT4">
+                  <p:embed/>
+                </p:oleObj>
+              </mc:Choice>
+              <mc:Fallback>
+                <p:oleObj name="Equation" r:id="rId9" imgW="126720" imgH="228600" progId="Equation.DSMT4">
+                  <p:embed/>
+                  <p:pic>
+                    <p:nvPicPr>
+                      <p:cNvPr id="0" name="对象 41"/>
+                      <p:cNvPicPr>
+                        <a:picLocks noChangeAspect="1" noChangeArrowheads="1"/>
+                      </p:cNvPicPr>
+                      <p:nvPr/>
+                    </p:nvPicPr>
+                    <p:blipFill>
+                      <a:blip r:embed="rId10"/>
+                      <a:srcRect/>
+                      <a:stretch>
+                        <a:fillRect/>
+                      </a:stretch>
+                    </p:blipFill>
+                    <p:spPr bwMode="auto">
+                      <a:xfrm>
+                        <a:off x="846979" y="1285835"/>
+                        <a:ext cx="300702" cy="541486"/>
+                      </a:xfrm>
+                      <a:prstGeom prst="rect">
+                        <a:avLst/>
+                      </a:prstGeom>
+                      <a:noFill/>
+                      <a:ln>
+                        <a:noFill/>
+                      </a:ln>
+                      <a:extLst/>
+                    </p:spPr>
+                  </p:pic>
+                </p:oleObj>
+              </mc:Fallback>
+            </mc:AlternateContent>
+          </a:graphicData>
+        </a:graphic>
+      </p:graphicFrame>
+      <p:pic>
+        <p:nvPicPr>
+          <p:cNvPr id="32" name="图片 31">
+            <a:extLst>
+              <a:ext uri="{FF2B5EF4-FFF2-40B4-BE49-F238E27FC236}">
+                <a16:creationId xmlns:a16="http://schemas.microsoft.com/office/drawing/2014/main" xmlns="" id="{0609D585-79F7-49EB-9401-E0C267C6CF88}"/>
+              </a:ext>
+            </a:extLst>
+          </p:cNvPr>
+          <p:cNvPicPr>
+            <a:picLocks noChangeAspect="1"/>
+          </p:cNvPicPr>
+          <p:nvPr/>
+        </p:nvPicPr>
+        <p:blipFill>
+          <a:blip r:embed="rId11" cstate="print">
+            <a:extLst>
+              <a:ext uri="{28A0092B-C50C-407E-A947-70E740481C1C}">
+                <a14:useLocalDpi xmlns:a14="http://schemas.microsoft.com/office/drawing/2010/main" val="0"/>
+              </a:ext>
+            </a:extLst>
+          </a:blip>
+          <a:stretch>
+            <a:fillRect/>
+          </a:stretch>
+        </p:blipFill>
+        <p:spPr>
+          <a:xfrm>
+            <a:off x="5451457" y="2421932"/>
+            <a:ext cx="618426" cy="618426"/>
+          </a:xfrm>
+          <a:prstGeom prst="rect">
+            <a:avLst/>
+          </a:prstGeom>
+        </p:spPr>
+      </p:pic>
+      <p:sp>
+        <p:nvSpPr>
+          <p:cNvPr id="33" name="同心圆 32"/>
+          <p:cNvSpPr/>
+          <p:nvPr/>
+        </p:nvSpPr>
+        <p:spPr>
+          <a:xfrm>
+            <a:off x="7669906" y="2245510"/>
+            <a:ext cx="458308" cy="458308"/>
+          </a:xfrm>
+          <a:prstGeom prst="donut">
+            <a:avLst/>
+          </a:prstGeom>
+          <a:solidFill>
+            <a:schemeClr val="tx1"/>
+          </a:solidFill>
+          <a:ln>
+            <a:noFill/>
+          </a:ln>
+        </p:spPr>
+        <p:style>
+          <a:lnRef idx="2">
+            <a:schemeClr val="accent1">
+              <a:shade val="50000"/>
+            </a:schemeClr>
+          </a:lnRef>
+          <a:fillRef idx="1">
+            <a:schemeClr val="accent1"/>
+          </a:fillRef>
+          <a:effectRef idx="0">
+            <a:schemeClr val="accent1"/>
+          </a:effectRef>
+          <a:fontRef idx="minor">
+            <a:schemeClr val="lt1"/>
+          </a:fontRef>
+        </p:style>
+        <p:txBody>
+          <a:bodyPr rtlCol="0" anchor="ctr"/>
+          <a:lstStyle/>
+          <a:p>
+            <a:pPr algn="ctr"/>
+            <a:endParaRPr lang="zh-CN" altLang="en-US">
+              <a:solidFill>
+                <a:schemeClr val="tx1"/>
+              </a:solidFill>
+            </a:endParaRPr>
+          </a:p>
+        </p:txBody>
+      </p:sp>
+      <p:sp>
+        <p:nvSpPr>
+          <p:cNvPr id="34" name="同心圆 33"/>
+          <p:cNvSpPr/>
+          <p:nvPr/>
+        </p:nvSpPr>
+        <p:spPr>
+          <a:xfrm>
+            <a:off x="8292304" y="3493098"/>
+            <a:ext cx="458308" cy="458308"/>
+          </a:xfrm>
+          <a:prstGeom prst="donut">
+            <a:avLst/>
+          </a:prstGeom>
+          <a:solidFill>
+            <a:schemeClr val="tx1"/>
+          </a:solidFill>
+          <a:ln>
+            <a:noFill/>
+          </a:ln>
+        </p:spPr>
+        <p:style>
+          <a:lnRef idx="2">
+            <a:schemeClr val="accent1">
+              <a:shade val="50000"/>
+            </a:schemeClr>
+          </a:lnRef>
+          <a:fillRef idx="1">
+            <a:schemeClr val="accent1"/>
+          </a:fillRef>
+          <a:effectRef idx="0">
+            <a:schemeClr val="accent1"/>
+          </a:effectRef>
+          <a:fontRef idx="minor">
+            <a:schemeClr val="lt1"/>
+          </a:fontRef>
+        </p:style>
+        <p:txBody>
+          <a:bodyPr rtlCol="0" anchor="ctr"/>
+          <a:lstStyle/>
+          <a:p>
+            <a:pPr algn="ctr"/>
+            <a:endParaRPr lang="zh-CN" altLang="en-US">
+              <a:solidFill>
+                <a:schemeClr val="tx1"/>
+              </a:solidFill>
+            </a:endParaRPr>
+          </a:p>
+        </p:txBody>
+      </p:sp>
+      <p:sp>
+        <p:nvSpPr>
+          <p:cNvPr id="35" name="同心圆 34"/>
+          <p:cNvSpPr/>
+          <p:nvPr/>
+        </p:nvSpPr>
+        <p:spPr>
+          <a:xfrm>
+            <a:off x="7669906" y="3000668"/>
+            <a:ext cx="458308" cy="458308"/>
+          </a:xfrm>
+          <a:prstGeom prst="donut">
+            <a:avLst/>
+          </a:prstGeom>
+          <a:solidFill>
+            <a:schemeClr val="tx1"/>
+          </a:solidFill>
+          <a:ln>
+            <a:noFill/>
+          </a:ln>
+        </p:spPr>
+        <p:style>
+          <a:lnRef idx="2">
+            <a:schemeClr val="accent1">
+              <a:shade val="50000"/>
+            </a:schemeClr>
+          </a:lnRef>
+          <a:fillRef idx="1">
+            <a:schemeClr val="accent1"/>
+          </a:fillRef>
+          <a:effectRef idx="0">
+            <a:schemeClr val="accent1"/>
+          </a:effectRef>
+          <a:fontRef idx="minor">
+            <a:schemeClr val="lt1"/>
+          </a:fontRef>
+        </p:style>
+        <p:txBody>
+          <a:bodyPr rtlCol="0" anchor="ctr"/>
+          <a:lstStyle/>
+          <a:p>
+            <a:pPr algn="ctr"/>
+            <a:endParaRPr lang="zh-CN" altLang="en-US">
+              <a:solidFill>
+                <a:schemeClr val="tx1"/>
+              </a:solidFill>
+            </a:endParaRPr>
+          </a:p>
+        </p:txBody>
+      </p:sp>
+      <p:sp>
+        <p:nvSpPr>
+          <p:cNvPr id="38" name="同心圆 37"/>
+          <p:cNvSpPr/>
+          <p:nvPr/>
+        </p:nvSpPr>
+        <p:spPr>
+          <a:xfrm>
+            <a:off x="7693507" y="3793796"/>
+            <a:ext cx="458308" cy="458308"/>
+          </a:xfrm>
+          <a:prstGeom prst="donut">
+            <a:avLst/>
+          </a:prstGeom>
+          <a:solidFill>
+            <a:schemeClr val="tx1"/>
+          </a:solidFill>
+          <a:ln>
+            <a:noFill/>
+          </a:ln>
+        </p:spPr>
+        <p:style>
+          <a:lnRef idx="2">
+            <a:schemeClr val="accent1">
+              <a:shade val="50000"/>
+            </a:schemeClr>
+          </a:lnRef>
+          <a:fillRef idx="1">
+            <a:schemeClr val="accent1"/>
+          </a:fillRef>
+          <a:effectRef idx="0">
+            <a:schemeClr val="accent1"/>
+          </a:effectRef>
+          <a:fontRef idx="minor">
+            <a:schemeClr val="lt1"/>
+          </a:fontRef>
+        </p:style>
+        <p:txBody>
+          <a:bodyPr rtlCol="0" anchor="ctr"/>
+          <a:lstStyle/>
+          <a:p>
+            <a:pPr algn="ctr"/>
+            <a:endParaRPr lang="zh-CN" altLang="en-US">
+              <a:solidFill>
+                <a:schemeClr val="tx1"/>
+              </a:solidFill>
+            </a:endParaRPr>
+          </a:p>
+        </p:txBody>
+      </p:sp>
+      <p:sp>
+        <p:nvSpPr>
+          <p:cNvPr id="44" name="同心圆 43"/>
+          <p:cNvSpPr/>
+          <p:nvPr/>
+        </p:nvSpPr>
+        <p:spPr>
+          <a:xfrm>
+            <a:off x="8142011" y="4150258"/>
+            <a:ext cx="458308" cy="458308"/>
+          </a:xfrm>
+          <a:prstGeom prst="donut">
+            <a:avLst/>
+          </a:prstGeom>
+          <a:solidFill>
+            <a:schemeClr val="tx1"/>
+          </a:solidFill>
+          <a:ln>
+            <a:noFill/>
+          </a:ln>
+        </p:spPr>
+        <p:style>
+          <a:lnRef idx="2">
+            <a:schemeClr val="accent1">
+              <a:shade val="50000"/>
+            </a:schemeClr>
+          </a:lnRef>
+          <a:fillRef idx="1">
+            <a:schemeClr val="accent1"/>
+          </a:fillRef>
+          <a:effectRef idx="0">
+            <a:schemeClr val="accent1"/>
+          </a:effectRef>
+          <a:fontRef idx="minor">
+            <a:schemeClr val="lt1"/>
+          </a:fontRef>
+        </p:style>
+        <p:txBody>
+          <a:bodyPr rtlCol="0" anchor="ctr"/>
+          <a:lstStyle/>
+          <a:p>
+            <a:pPr algn="ctr"/>
+            <a:endParaRPr lang="zh-CN" altLang="en-US">
+              <a:solidFill>
+                <a:schemeClr val="tx1"/>
+              </a:solidFill>
+            </a:endParaRPr>
+          </a:p>
+        </p:txBody>
+      </p:sp>
+      <p:pic>
+        <p:nvPicPr>
+          <p:cNvPr id="45" name="图片 44">
+            <a:extLst>
+              <a:ext uri="{FF2B5EF4-FFF2-40B4-BE49-F238E27FC236}">
+                <a16:creationId xmlns:a16="http://schemas.microsoft.com/office/drawing/2014/main" xmlns="" id="{0609D585-79F7-49EB-9401-E0C267C6CF88}"/>
+              </a:ext>
+            </a:extLst>
+          </p:cNvPr>
+          <p:cNvPicPr>
+            <a:picLocks noChangeAspect="1"/>
+          </p:cNvPicPr>
+          <p:nvPr/>
+        </p:nvPicPr>
+        <p:blipFill>
+          <a:blip r:embed="rId11" cstate="print">
+            <a:extLst>
+              <a:ext uri="{28A0092B-C50C-407E-A947-70E740481C1C}">
+                <a14:useLocalDpi xmlns:a14="http://schemas.microsoft.com/office/drawing/2010/main" val="0"/>
+              </a:ext>
+            </a:extLst>
+          </a:blip>
+          <a:stretch>
+            <a:fillRect/>
+          </a:stretch>
+        </p:blipFill>
+        <p:spPr>
+          <a:xfrm>
+            <a:off x="5746145" y="2946215"/>
+            <a:ext cx="618426" cy="618426"/>
+          </a:xfrm>
+          <a:prstGeom prst="rect">
+            <a:avLst/>
+          </a:prstGeom>
+        </p:spPr>
+      </p:pic>
+      <p:pic>
+        <p:nvPicPr>
+          <p:cNvPr id="46" name="图片 45">
+            <a:extLst>
+              <a:ext uri="{FF2B5EF4-FFF2-40B4-BE49-F238E27FC236}">
+                <a16:creationId xmlns:a16="http://schemas.microsoft.com/office/drawing/2014/main" xmlns="" id="{0609D585-79F7-49EB-9401-E0C267C6CF88}"/>
+              </a:ext>
+            </a:extLst>
+          </p:cNvPr>
+          <p:cNvPicPr>
+            <a:picLocks noChangeAspect="1"/>
+          </p:cNvPicPr>
+          <p:nvPr/>
+        </p:nvPicPr>
+        <p:blipFill>
+          <a:blip r:embed="rId11" cstate="print">
+            <a:extLst>
+              <a:ext uri="{28A0092B-C50C-407E-A947-70E740481C1C}">
+                <a14:useLocalDpi xmlns:a14="http://schemas.microsoft.com/office/drawing/2010/main" val="0"/>
+              </a:ext>
+            </a:extLst>
+          </a:blip>
+          <a:stretch>
+            <a:fillRect/>
+          </a:stretch>
+        </p:blipFill>
+        <p:spPr>
+          <a:xfrm>
+            <a:off x="5127719" y="3098985"/>
+            <a:ext cx="618426" cy="618426"/>
+          </a:xfrm>
+          <a:prstGeom prst="rect">
+            <a:avLst/>
+          </a:prstGeom>
+        </p:spPr>
+      </p:pic>
+      <p:pic>
+        <p:nvPicPr>
+          <p:cNvPr id="47" name="图片 46">
+            <a:extLst>
+              <a:ext uri="{FF2B5EF4-FFF2-40B4-BE49-F238E27FC236}">
+                <a16:creationId xmlns:a16="http://schemas.microsoft.com/office/drawing/2014/main" xmlns="" id="{0609D585-79F7-49EB-9401-E0C267C6CF88}"/>
+              </a:ext>
+            </a:extLst>
+          </p:cNvPr>
+          <p:cNvPicPr>
+            <a:picLocks noChangeAspect="1"/>
+          </p:cNvPicPr>
+          <p:nvPr/>
+        </p:nvPicPr>
+        <p:blipFill>
+          <a:blip r:embed="rId11" cstate="print">
+            <a:extLst>
+              <a:ext uri="{28A0092B-C50C-407E-A947-70E740481C1C}">
+                <a14:useLocalDpi xmlns:a14="http://schemas.microsoft.com/office/drawing/2010/main" val="0"/>
+              </a:ext>
+            </a:extLst>
+          </a:blip>
+          <a:stretch>
+            <a:fillRect/>
+          </a:stretch>
+        </p:blipFill>
+        <p:spPr>
+          <a:xfrm>
+            <a:off x="5022199" y="4022950"/>
+            <a:ext cx="618426" cy="618426"/>
+          </a:xfrm>
+          <a:prstGeom prst="rect">
+            <a:avLst/>
+          </a:prstGeom>
+        </p:spPr>
+      </p:pic>
+      <p:pic>
+        <p:nvPicPr>
+          <p:cNvPr id="48" name="图片 47">
+            <a:extLst>
+              <a:ext uri="{FF2B5EF4-FFF2-40B4-BE49-F238E27FC236}">
+                <a16:creationId xmlns:a16="http://schemas.microsoft.com/office/drawing/2014/main" xmlns="" id="{0609D585-79F7-49EB-9401-E0C267C6CF88}"/>
+              </a:ext>
+            </a:extLst>
+          </p:cNvPr>
+          <p:cNvPicPr>
+            <a:picLocks noChangeAspect="1"/>
+          </p:cNvPicPr>
+          <p:nvPr/>
+        </p:nvPicPr>
+        <p:blipFill>
+          <a:blip r:embed="rId11" cstate="print">
+            <a:extLst>
+              <a:ext uri="{28A0092B-C50C-407E-A947-70E740481C1C}">
+                <a14:useLocalDpi xmlns:a14="http://schemas.microsoft.com/office/drawing/2010/main" val="0"/>
+              </a:ext>
+            </a:extLst>
+          </a:blip>
+          <a:stretch>
+            <a:fillRect/>
+          </a:stretch>
+        </p:blipFill>
+        <p:spPr>
+          <a:xfrm>
+            <a:off x="5726990" y="4620319"/>
+            <a:ext cx="618426" cy="618426"/>
+          </a:xfrm>
+          <a:prstGeom prst="rect">
+            <a:avLst/>
+          </a:prstGeom>
+        </p:spPr>
+      </p:pic>
+      <p:sp>
+        <p:nvSpPr>
+          <p:cNvPr id="49" name="同心圆 48"/>
+          <p:cNvSpPr/>
+          <p:nvPr/>
+        </p:nvSpPr>
+        <p:spPr>
+          <a:xfrm>
+            <a:off x="8261106" y="4741092"/>
+            <a:ext cx="458308" cy="458308"/>
+          </a:xfrm>
+          <a:prstGeom prst="donut">
+            <a:avLst/>
+          </a:prstGeom>
+          <a:solidFill>
+            <a:schemeClr val="tx1"/>
+          </a:solidFill>
+          <a:ln>
+            <a:noFill/>
+          </a:ln>
+        </p:spPr>
+        <p:style>
+          <a:lnRef idx="2">
+            <a:schemeClr val="accent1">
+              <a:shade val="50000"/>
+            </a:schemeClr>
+          </a:lnRef>
+          <a:fillRef idx="1">
+            <a:schemeClr val="accent1"/>
+          </a:fillRef>
+          <a:effectRef idx="0">
+            <a:schemeClr val="accent1"/>
+          </a:effectRef>
+          <a:fontRef idx="minor">
+            <a:schemeClr val="lt1"/>
+          </a:fontRef>
+        </p:style>
+        <p:txBody>
+          <a:bodyPr rtlCol="0" anchor="ctr"/>
+          <a:lstStyle/>
+          <a:p>
+            <a:pPr algn="ctr"/>
+            <a:endParaRPr lang="zh-CN" altLang="en-US">
+              <a:solidFill>
+                <a:schemeClr val="tx1"/>
+              </a:solidFill>
+            </a:endParaRPr>
+          </a:p>
+        </p:txBody>
+      </p:sp>
+      <p:pic>
+        <p:nvPicPr>
+          <p:cNvPr id="51" name="Picture 12"/>
+          <p:cNvPicPr>
+            <a:picLocks noChangeAspect="1" noChangeArrowheads="1"/>
+          </p:cNvPicPr>
+          <p:nvPr/>
+        </p:nvPicPr>
+        <p:blipFill>
+          <a:blip r:embed="rId12" cstate="print">
+            <a:extLst>
+              <a:ext uri="{BEBA8EAE-BF5A-486C-A8C5-ECC9F3942E4B}">
+                <a14:imgProps xmlns:a14="http://schemas.microsoft.com/office/drawing/2010/main">
+                  <a14:imgLayer r:embed="rId13">
+                    <a14:imgEffect>
+                      <a14:backgroundRemoval t="3516" b="97266" l="9961" r="89844">
+                        <a14:foregroundMark x1="51563" y1="94531" x2="46094" y2="83398"/>
+                        <a14:foregroundMark x1="47266" y1="86133" x2="47852" y2="97266"/>
+                        <a14:foregroundMark x1="40820" y1="5078" x2="62109" y2="3516"/>
+                      </a14:backgroundRemoval>
+                    </a14:imgEffect>
+                    <a14:imgEffect>
+                      <a14:artisticPaintStrokes/>
+                    </a14:imgEffect>
+                  </a14:imgLayer>
+                </a14:imgProps>
+              </a:ext>
+              <a:ext uri="{28A0092B-C50C-407E-A947-70E740481C1C}">
+                <a14:useLocalDpi xmlns:a14="http://schemas.microsoft.com/office/drawing/2010/main" val="0"/>
+              </a:ext>
+            </a:extLst>
+          </a:blip>
+          <a:srcRect/>
+          <a:stretch>
+            <a:fillRect/>
+          </a:stretch>
+        </p:blipFill>
+        <p:spPr bwMode="auto">
+          <a:xfrm>
+            <a:off x="6738221" y="1944705"/>
+            <a:ext cx="601610" cy="601610"/>
+          </a:xfrm>
+          <a:prstGeom prst="rect">
+            <a:avLst/>
+          </a:prstGeom>
+          <a:noFill/>
+          <a:ln>
+            <a:noFill/>
+          </a:ln>
+          <a:effectLst/>
+          <a:extLst>
+            <a:ext uri="{909E8E84-426E-40DD-AFC4-6F175D3DCCD1}">
+              <a14:hiddenFill xmlns:a14="http://schemas.microsoft.com/office/drawing/2010/main">
+                <a:solidFill>
+                  <a:schemeClr val="accent1"/>
+                </a:solidFill>
+              </a14:hiddenFill>
+            </a:ext>
+            <a:ext uri="{91240B29-F687-4F45-9708-019B960494DF}">
+              <a14:hiddenLine xmlns:a14="http://schemas.microsoft.com/office/drawing/2010/main" w="9525">
+                <a:solidFill>
+                  <a:schemeClr val="tx1"/>
+                </a:solidFill>
+                <a:miter lim="800000"/>
+                <a:headEnd/>
+                <a:tailEnd/>
+              </a14:hiddenLine>
+            </a:ext>
+            <a:ext uri="{AF507438-7753-43E0-B8FC-AC1667EBCBE1}">
+              <a14:hiddenEffects xmlns:a14="http://schemas.microsoft.com/office/drawing/2010/main">
+                <a:effectLst>
+                  <a:outerShdw dist="35921" dir="2700000" algn="ctr" rotWithShape="0">
+                    <a:schemeClr val="bg2"/>
+                  </a:outerShdw>
+                </a:effectLst>
+              </a14:hiddenEffects>
+            </a:ext>
+          </a:extLst>
+        </p:spPr>
+      </p:pic>
+      <p:graphicFrame>
+        <p:nvGraphicFramePr>
+          <p:cNvPr id="52" name="对象 51"/>
+          <p:cNvGraphicFramePr>
+            <a:graphicFrameLocks noChangeAspect="1"/>
+          </p:cNvGraphicFramePr>
+          <p:nvPr>
+            <p:extLst>
+              <p:ext uri="{D42A27DB-BD31-4B8C-83A1-F6EECF244321}">
+                <p14:modId xmlns:p14="http://schemas.microsoft.com/office/powerpoint/2010/main" val="1984121425"/>
+              </p:ext>
+            </p:extLst>
+          </p:nvPr>
+        </p:nvGraphicFramePr>
+        <p:xfrm>
+          <a:off x="6050772" y="1016621"/>
+          <a:ext cx="274039" cy="548078"/>
+        </p:xfrm>
+        <a:graphic>
+          <a:graphicData uri="http://schemas.openxmlformats.org/presentationml/2006/ole">
+            <mc:AlternateContent xmlns:mc="http://schemas.openxmlformats.org/markup-compatibility/2006">
+              <mc:Choice xmlns:v="urn:schemas-microsoft-com:vml" Requires="v">
+                <p:oleObj spid="_x0000_s1095" name="Equation" r:id="rId14" imgW="114120" imgH="228600" progId="Equation.DSMT4">
+                  <p:embed/>
+                </p:oleObj>
+              </mc:Choice>
+              <mc:Fallback>
+                <p:oleObj name="Equation" r:id="rId14" imgW="114120" imgH="228600" progId="Equation.DSMT4">
+                  <p:embed/>
+                  <p:pic>
+                    <p:nvPicPr>
+                      <p:cNvPr id="0" name=""/>
+                      <p:cNvPicPr/>
+                      <p:nvPr/>
+                    </p:nvPicPr>
+                    <p:blipFill>
+                      <a:blip r:embed="rId6"/>
+                      <a:stretch>
+                        <a:fillRect/>
+                      </a:stretch>
+                    </p:blipFill>
+                    <p:spPr>
+                      <a:xfrm>
+                        <a:off x="6050772" y="1016621"/>
+                        <a:ext cx="274039" cy="548078"/>
+                      </a:xfrm>
+                      <a:prstGeom prst="rect">
+                        <a:avLst/>
+                      </a:prstGeom>
+                    </p:spPr>
+                  </p:pic>
+                </p:oleObj>
+              </mc:Fallback>
+            </mc:AlternateContent>
+          </a:graphicData>
+        </a:graphic>
+      </p:graphicFrame>
+      <p:graphicFrame>
+        <p:nvGraphicFramePr>
+          <p:cNvPr id="53" name="对象 52"/>
+          <p:cNvGraphicFramePr>
+            <a:graphicFrameLocks noChangeAspect="1"/>
+          </p:cNvGraphicFramePr>
+          <p:nvPr>
+            <p:extLst>
+              <p:ext uri="{D42A27DB-BD31-4B8C-83A1-F6EECF244321}">
+                <p14:modId xmlns:p14="http://schemas.microsoft.com/office/powerpoint/2010/main" val="4154293845"/>
+              </p:ext>
+            </p:extLst>
+          </p:nvPr>
+        </p:nvGraphicFramePr>
+        <p:xfrm>
+          <a:off x="6731531" y="960592"/>
+          <a:ext cx="395177" cy="670228"/>
+        </p:xfrm>
+        <a:graphic>
+          <a:graphicData uri="http://schemas.openxmlformats.org/presentationml/2006/ole">
+            <mc:AlternateContent xmlns:mc="http://schemas.openxmlformats.org/markup-compatibility/2006">
+              <mc:Choice xmlns:v="urn:schemas-microsoft-com:vml" Requires="v">
+                <p:oleObj spid="_x0000_s1096" name="Equation" r:id="rId15" imgW="164880" imgH="279360" progId="Equation.DSMT4">
+                  <p:embed/>
+                </p:oleObj>
+              </mc:Choice>
+              <mc:Fallback>
+                <p:oleObj name="Equation" r:id="rId15" imgW="164880" imgH="279360" progId="Equation.DSMT4">
+                  <p:embed/>
+                  <p:pic>
+                    <p:nvPicPr>
+                      <p:cNvPr id="0" name=""/>
+                      <p:cNvPicPr>
+                        <a:picLocks noChangeAspect="1" noChangeArrowheads="1"/>
+                      </p:cNvPicPr>
+                      <p:nvPr/>
+                    </p:nvPicPr>
+                    <p:blipFill>
+                      <a:blip r:embed="rId16"/>
+                      <a:srcRect/>
+                      <a:stretch>
+                        <a:fillRect/>
+                      </a:stretch>
+                    </p:blipFill>
+                    <p:spPr bwMode="auto">
+                      <a:xfrm>
+                        <a:off x="6731531" y="960592"/>
+                        <a:ext cx="395177" cy="670228"/>
                       </a:xfrm>
                       <a:prstGeom prst="rect">
                         <a:avLst/>
@@ -5051,43 +5015,43 @@
       </p:graphicFrame>
       <p:graphicFrame>
         <p:nvGraphicFramePr>
-          <p:cNvPr id="43" name="对象 42"/>
+          <p:cNvPr id="54" name="对象 53"/>
           <p:cNvGraphicFramePr>
             <a:graphicFrameLocks noChangeAspect="1"/>
           </p:cNvGraphicFramePr>
           <p:nvPr>
             <p:extLst>
               <p:ext uri="{D42A27DB-BD31-4B8C-83A1-F6EECF244321}">
-                <p14:modId xmlns:p14="http://schemas.microsoft.com/office/powerpoint/2010/main" val="1908393711"/>
+                <p14:modId xmlns:p14="http://schemas.microsoft.com/office/powerpoint/2010/main" val="1582046628"/>
               </p:ext>
             </p:extLst>
           </p:nvPr>
         </p:nvGraphicFramePr>
         <p:xfrm>
-          <a:off x="2109821" y="156624"/>
-          <a:ext cx="430213" cy="774701"/>
+          <a:off x="5640624" y="1282443"/>
+          <a:ext cx="364865" cy="669105"/>
         </p:xfrm>
         <a:graphic>
           <a:graphicData uri="http://schemas.openxmlformats.org/presentationml/2006/ole">
             <mc:AlternateContent xmlns:mc="http://schemas.openxmlformats.org/markup-compatibility/2006">
               <mc:Choice xmlns:v="urn:schemas-microsoft-com:vml" Requires="v">
-                <p:oleObj spid="_x0000_s1079" name="Equation" r:id="rId10" imgW="126720" imgH="228600" progId="Equation.DSMT4">
+                <p:oleObj spid="_x0000_s1097" name="Equation" r:id="rId17" imgW="152280" imgH="279360" progId="Equation.DSMT4">
                   <p:embed/>
                 </p:oleObj>
               </mc:Choice>
               <mc:Fallback>
-                <p:oleObj name="Equation" r:id="rId10" imgW="126720" imgH="228600" progId="Equation.DSMT4">
+                <p:oleObj name="Equation" r:id="rId17" imgW="152280" imgH="279360" progId="Equation.DSMT4">
                   <p:embed/>
                   <p:pic>
                     <p:nvPicPr>
-                      <p:cNvPr id="0" name="对象 41"/>
+                      <p:cNvPr id="0" name=""/>
                       <p:cNvPicPr>
                         <a:picLocks noChangeAspect="1" noChangeArrowheads="1"/>
                       </p:cNvPicPr>
                       <p:nvPr/>
                     </p:nvPicPr>
                     <p:blipFill>
-                      <a:blip r:embed="rId11"/>
+                      <a:blip r:embed="rId18"/>
                       <a:srcRect/>
                       <a:stretch>
                         <a:fillRect/>
@@ -5095,8 +5059,8 @@
                     </p:blipFill>
                     <p:spPr bwMode="auto">
                       <a:xfrm>
-                        <a:off x="2109821" y="156624"/>
-                        <a:ext cx="430213" cy="774701"/>
+                        <a:off x="5640624" y="1282443"/>
+                        <a:ext cx="364865" cy="669105"/>
                       </a:xfrm>
                       <a:prstGeom prst="rect">
                         <a:avLst/>
@@ -5132,6 +5096,805 @@
           </a:graphicData>
         </a:graphic>
       </p:graphicFrame>
+      <p:cxnSp>
+        <p:nvCxnSpPr>
+          <p:cNvPr id="56" name="直接箭头连接符 55"/>
+          <p:cNvCxnSpPr/>
+          <p:nvPr/>
+        </p:nvCxnSpPr>
+        <p:spPr>
+          <a:xfrm flipV="1">
+            <a:off x="6373322" y="3608585"/>
+            <a:ext cx="1222201" cy="185212"/>
+          </a:xfrm>
+          <a:prstGeom prst="straightConnector1">
+            <a:avLst/>
+          </a:prstGeom>
+          <a:ln w="38100">
+            <a:headEnd type="triangle" w="med" len="med"/>
+            <a:tailEnd type="triangle" w="med" len="med"/>
+          </a:ln>
+        </p:spPr>
+        <p:style>
+          <a:lnRef idx="1">
+            <a:schemeClr val="accent1"/>
+          </a:lnRef>
+          <a:fillRef idx="0">
+            <a:schemeClr val="accent1"/>
+          </a:fillRef>
+          <a:effectRef idx="0">
+            <a:schemeClr val="accent1"/>
+          </a:effectRef>
+          <a:fontRef idx="minor">
+            <a:schemeClr val="tx1"/>
+          </a:fontRef>
+        </p:style>
+      </p:cxnSp>
+      <p:cxnSp>
+        <p:nvCxnSpPr>
+          <p:cNvPr id="58" name="直接连接符 57"/>
+          <p:cNvCxnSpPr/>
+          <p:nvPr/>
+        </p:nvCxnSpPr>
+        <p:spPr>
+          <a:xfrm>
+            <a:off x="6549220" y="1597120"/>
+            <a:ext cx="790610" cy="4201759"/>
+          </a:xfrm>
+          <a:prstGeom prst="line">
+            <a:avLst/>
+          </a:prstGeom>
+          <a:ln w="28575">
+            <a:solidFill>
+              <a:schemeClr val="tx1"/>
+            </a:solidFill>
+            <a:prstDash val="lgDashDot"/>
+          </a:ln>
+        </p:spPr>
+        <p:style>
+          <a:lnRef idx="1">
+            <a:schemeClr val="accent1"/>
+          </a:lnRef>
+          <a:fillRef idx="0">
+            <a:schemeClr val="accent1"/>
+          </a:fillRef>
+          <a:effectRef idx="0">
+            <a:schemeClr val="accent1"/>
+          </a:effectRef>
+          <a:fontRef idx="minor">
+            <a:schemeClr val="tx1"/>
+          </a:fontRef>
+        </p:style>
+      </p:cxnSp>
+      <p:pic>
+        <p:nvPicPr>
+          <p:cNvPr id="59" name="图片 58">
+            <a:extLst>
+              <a:ext uri="{FF2B5EF4-FFF2-40B4-BE49-F238E27FC236}">
+                <a16:creationId xmlns:a16="http://schemas.microsoft.com/office/drawing/2014/main" xmlns="" id="{0609D585-79F7-49EB-9401-E0C267C6CF88}"/>
+              </a:ext>
+            </a:extLst>
+          </p:cNvPr>
+          <p:cNvPicPr>
+            <a:picLocks noChangeAspect="1"/>
+          </p:cNvPicPr>
+          <p:nvPr/>
+        </p:nvPicPr>
+        <p:blipFill>
+          <a:blip r:embed="rId11" cstate="print">
+            <a:extLst>
+              <a:ext uri="{28A0092B-C50C-407E-A947-70E740481C1C}">
+                <a14:useLocalDpi xmlns:a14="http://schemas.microsoft.com/office/drawing/2010/main" val="0"/>
+              </a:ext>
+            </a:extLst>
+          </a:blip>
+          <a:stretch>
+            <a:fillRect/>
+          </a:stretch>
+        </p:blipFill>
+        <p:spPr>
+          <a:xfrm>
+            <a:off x="5746143" y="3798710"/>
+            <a:ext cx="618426" cy="618426"/>
+          </a:xfrm>
+          <a:prstGeom prst="rect">
+            <a:avLst/>
+          </a:prstGeom>
+        </p:spPr>
+      </p:pic>
+      <p:pic>
+        <p:nvPicPr>
+          <p:cNvPr id="60" name="图片 59">
+            <a:extLst>
+              <a:ext uri="{FF2B5EF4-FFF2-40B4-BE49-F238E27FC236}">
+                <a16:creationId xmlns:a16="http://schemas.microsoft.com/office/drawing/2014/main" xmlns="" id="{0609D585-79F7-49EB-9401-E0C267C6CF88}"/>
+              </a:ext>
+            </a:extLst>
+          </p:cNvPr>
+          <p:cNvPicPr>
+            <a:picLocks noChangeAspect="1"/>
+          </p:cNvPicPr>
+          <p:nvPr/>
+        </p:nvPicPr>
+        <p:blipFill>
+          <a:blip r:embed="rId11" cstate="print">
+            <a:extLst>
+              <a:ext uri="{28A0092B-C50C-407E-A947-70E740481C1C}">
+                <a14:useLocalDpi xmlns:a14="http://schemas.microsoft.com/office/drawing/2010/main" val="0"/>
+              </a:ext>
+            </a:extLst>
+          </a:blip>
+          <a:stretch>
+            <a:fillRect/>
+          </a:stretch>
+        </p:blipFill>
+        <p:spPr>
+          <a:xfrm>
+            <a:off x="5064002" y="1894542"/>
+            <a:ext cx="618426" cy="618426"/>
+          </a:xfrm>
+          <a:prstGeom prst="rect">
+            <a:avLst/>
+          </a:prstGeom>
+        </p:spPr>
+      </p:pic>
+      <p:cxnSp>
+        <p:nvCxnSpPr>
+          <p:cNvPr id="63" name="直接连接符 62"/>
+          <p:cNvCxnSpPr/>
+          <p:nvPr/>
+        </p:nvCxnSpPr>
+        <p:spPr>
+          <a:xfrm>
+            <a:off x="6373322" y="1597120"/>
+            <a:ext cx="729797" cy="3976133"/>
+          </a:xfrm>
+          <a:prstGeom prst="line">
+            <a:avLst/>
+          </a:prstGeom>
+          <a:ln w="28575">
+            <a:solidFill>
+              <a:schemeClr val="tx1"/>
+            </a:solidFill>
+          </a:ln>
+        </p:spPr>
+        <p:style>
+          <a:lnRef idx="1">
+            <a:schemeClr val="accent1"/>
+          </a:lnRef>
+          <a:fillRef idx="0">
+            <a:schemeClr val="accent1"/>
+          </a:fillRef>
+          <a:effectRef idx="0">
+            <a:schemeClr val="accent1"/>
+          </a:effectRef>
+          <a:fontRef idx="minor">
+            <a:schemeClr val="tx1"/>
+          </a:fontRef>
+        </p:style>
+      </p:cxnSp>
+      <p:cxnSp>
+        <p:nvCxnSpPr>
+          <p:cNvPr id="64" name="直接连接符 63"/>
+          <p:cNvCxnSpPr/>
+          <p:nvPr/>
+        </p:nvCxnSpPr>
+        <p:spPr>
+          <a:xfrm>
+            <a:off x="5980517" y="1666835"/>
+            <a:ext cx="729797" cy="3976133"/>
+          </a:xfrm>
+          <a:prstGeom prst="line">
+            <a:avLst/>
+          </a:prstGeom>
+          <a:ln w="28575">
+            <a:solidFill>
+              <a:schemeClr val="tx1"/>
+            </a:solidFill>
+          </a:ln>
+        </p:spPr>
+        <p:style>
+          <a:lnRef idx="1">
+            <a:schemeClr val="accent1"/>
+          </a:lnRef>
+          <a:fillRef idx="0">
+            <a:schemeClr val="accent1"/>
+          </a:fillRef>
+          <a:effectRef idx="0">
+            <a:schemeClr val="accent1"/>
+          </a:effectRef>
+          <a:fontRef idx="minor">
+            <a:schemeClr val="tx1"/>
+          </a:fontRef>
+        </p:style>
+      </p:cxnSp>
+      <p:cxnSp>
+        <p:nvCxnSpPr>
+          <p:cNvPr id="65" name="直接连接符 64"/>
+          <p:cNvCxnSpPr/>
+          <p:nvPr/>
+        </p:nvCxnSpPr>
+        <p:spPr>
+          <a:xfrm>
+            <a:off x="7162662" y="1420131"/>
+            <a:ext cx="865722" cy="4153122"/>
+          </a:xfrm>
+          <a:prstGeom prst="line">
+            <a:avLst/>
+          </a:prstGeom>
+          <a:ln w="28575">
+            <a:solidFill>
+              <a:schemeClr val="tx1"/>
+            </a:solidFill>
+          </a:ln>
+        </p:spPr>
+        <p:style>
+          <a:lnRef idx="1">
+            <a:schemeClr val="accent1"/>
+          </a:lnRef>
+          <a:fillRef idx="0">
+            <a:schemeClr val="accent1"/>
+          </a:fillRef>
+          <a:effectRef idx="0">
+            <a:schemeClr val="accent1"/>
+          </a:effectRef>
+          <a:fontRef idx="minor">
+            <a:schemeClr val="tx1"/>
+          </a:fontRef>
+        </p:style>
+      </p:cxnSp>
+      <p:sp>
+        <p:nvSpPr>
+          <p:cNvPr id="79" name="同心圆 78"/>
+          <p:cNvSpPr/>
+          <p:nvPr/>
+        </p:nvSpPr>
+        <p:spPr>
+          <a:xfrm>
+            <a:off x="2947767" y="2024543"/>
+            <a:ext cx="458308" cy="458308"/>
+          </a:xfrm>
+          <a:prstGeom prst="donut">
+            <a:avLst/>
+          </a:prstGeom>
+          <a:solidFill>
+            <a:schemeClr val="tx1"/>
+          </a:solidFill>
+          <a:ln>
+            <a:noFill/>
+          </a:ln>
+        </p:spPr>
+        <p:style>
+          <a:lnRef idx="2">
+            <a:schemeClr val="accent1">
+              <a:shade val="50000"/>
+            </a:schemeClr>
+          </a:lnRef>
+          <a:fillRef idx="1">
+            <a:schemeClr val="accent1"/>
+          </a:fillRef>
+          <a:effectRef idx="0">
+            <a:schemeClr val="accent1"/>
+          </a:effectRef>
+          <a:fontRef idx="minor">
+            <a:schemeClr val="lt1"/>
+          </a:fontRef>
+        </p:style>
+        <p:txBody>
+          <a:bodyPr rtlCol="0" anchor="ctr"/>
+          <a:lstStyle/>
+          <a:p>
+            <a:pPr algn="ctr"/>
+            <a:endParaRPr lang="zh-CN" altLang="en-US">
+              <a:solidFill>
+                <a:schemeClr val="tx1"/>
+              </a:solidFill>
+            </a:endParaRPr>
+          </a:p>
+        </p:txBody>
+      </p:sp>
+      <p:sp>
+        <p:nvSpPr>
+          <p:cNvPr id="80" name="同心圆 79"/>
+          <p:cNvSpPr/>
+          <p:nvPr/>
+        </p:nvSpPr>
+        <p:spPr>
+          <a:xfrm>
+            <a:off x="3570165" y="3272131"/>
+            <a:ext cx="458308" cy="458308"/>
+          </a:xfrm>
+          <a:prstGeom prst="donut">
+            <a:avLst/>
+          </a:prstGeom>
+          <a:solidFill>
+            <a:schemeClr val="tx1"/>
+          </a:solidFill>
+          <a:ln>
+            <a:noFill/>
+          </a:ln>
+        </p:spPr>
+        <p:style>
+          <a:lnRef idx="2">
+            <a:schemeClr val="accent1">
+              <a:shade val="50000"/>
+            </a:schemeClr>
+          </a:lnRef>
+          <a:fillRef idx="1">
+            <a:schemeClr val="accent1"/>
+          </a:fillRef>
+          <a:effectRef idx="0">
+            <a:schemeClr val="accent1"/>
+          </a:effectRef>
+          <a:fontRef idx="minor">
+            <a:schemeClr val="lt1"/>
+          </a:fontRef>
+        </p:style>
+        <p:txBody>
+          <a:bodyPr rtlCol="0" anchor="ctr"/>
+          <a:lstStyle/>
+          <a:p>
+            <a:pPr algn="ctr"/>
+            <a:endParaRPr lang="zh-CN" altLang="en-US">
+              <a:solidFill>
+                <a:schemeClr val="tx1"/>
+              </a:solidFill>
+            </a:endParaRPr>
+          </a:p>
+        </p:txBody>
+      </p:sp>
+      <p:sp>
+        <p:nvSpPr>
+          <p:cNvPr id="81" name="同心圆 80"/>
+          <p:cNvSpPr/>
+          <p:nvPr/>
+        </p:nvSpPr>
+        <p:spPr>
+          <a:xfrm>
+            <a:off x="2947767" y="2779701"/>
+            <a:ext cx="458308" cy="458308"/>
+          </a:xfrm>
+          <a:prstGeom prst="donut">
+            <a:avLst/>
+          </a:prstGeom>
+          <a:solidFill>
+            <a:schemeClr val="tx1"/>
+          </a:solidFill>
+          <a:ln>
+            <a:noFill/>
+          </a:ln>
+        </p:spPr>
+        <p:style>
+          <a:lnRef idx="2">
+            <a:schemeClr val="accent1">
+              <a:shade val="50000"/>
+            </a:schemeClr>
+          </a:lnRef>
+          <a:fillRef idx="1">
+            <a:schemeClr val="accent1"/>
+          </a:fillRef>
+          <a:effectRef idx="0">
+            <a:schemeClr val="accent1"/>
+          </a:effectRef>
+          <a:fontRef idx="minor">
+            <a:schemeClr val="lt1"/>
+          </a:fontRef>
+        </p:style>
+        <p:txBody>
+          <a:bodyPr rtlCol="0" anchor="ctr"/>
+          <a:lstStyle/>
+          <a:p>
+            <a:pPr algn="ctr"/>
+            <a:endParaRPr lang="zh-CN" altLang="en-US">
+              <a:solidFill>
+                <a:schemeClr val="tx1"/>
+              </a:solidFill>
+            </a:endParaRPr>
+          </a:p>
+        </p:txBody>
+      </p:sp>
+      <p:sp>
+        <p:nvSpPr>
+          <p:cNvPr id="82" name="同心圆 81"/>
+          <p:cNvSpPr/>
+          <p:nvPr/>
+        </p:nvSpPr>
+        <p:spPr>
+          <a:xfrm>
+            <a:off x="2971368" y="3572829"/>
+            <a:ext cx="458308" cy="458308"/>
+          </a:xfrm>
+          <a:prstGeom prst="donut">
+            <a:avLst/>
+          </a:prstGeom>
+          <a:solidFill>
+            <a:schemeClr val="tx1"/>
+          </a:solidFill>
+          <a:ln>
+            <a:noFill/>
+          </a:ln>
+        </p:spPr>
+        <p:style>
+          <a:lnRef idx="2">
+            <a:schemeClr val="accent1">
+              <a:shade val="50000"/>
+            </a:schemeClr>
+          </a:lnRef>
+          <a:fillRef idx="1">
+            <a:schemeClr val="accent1"/>
+          </a:fillRef>
+          <a:effectRef idx="0">
+            <a:schemeClr val="accent1"/>
+          </a:effectRef>
+          <a:fontRef idx="minor">
+            <a:schemeClr val="lt1"/>
+          </a:fontRef>
+        </p:style>
+        <p:txBody>
+          <a:bodyPr rtlCol="0" anchor="ctr"/>
+          <a:lstStyle/>
+          <a:p>
+            <a:pPr algn="ctr"/>
+            <a:endParaRPr lang="zh-CN" altLang="en-US">
+              <a:solidFill>
+                <a:schemeClr val="tx1"/>
+              </a:solidFill>
+            </a:endParaRPr>
+          </a:p>
+        </p:txBody>
+      </p:sp>
+      <p:sp>
+        <p:nvSpPr>
+          <p:cNvPr id="83" name="同心圆 82"/>
+          <p:cNvSpPr/>
+          <p:nvPr/>
+        </p:nvSpPr>
+        <p:spPr>
+          <a:xfrm>
+            <a:off x="3419872" y="3929291"/>
+            <a:ext cx="458308" cy="458308"/>
+          </a:xfrm>
+          <a:prstGeom prst="donut">
+            <a:avLst/>
+          </a:prstGeom>
+          <a:solidFill>
+            <a:schemeClr val="tx1"/>
+          </a:solidFill>
+          <a:ln>
+            <a:noFill/>
+          </a:ln>
+        </p:spPr>
+        <p:style>
+          <a:lnRef idx="2">
+            <a:schemeClr val="accent1">
+              <a:shade val="50000"/>
+            </a:schemeClr>
+          </a:lnRef>
+          <a:fillRef idx="1">
+            <a:schemeClr val="accent1"/>
+          </a:fillRef>
+          <a:effectRef idx="0">
+            <a:schemeClr val="accent1"/>
+          </a:effectRef>
+          <a:fontRef idx="minor">
+            <a:schemeClr val="lt1"/>
+          </a:fontRef>
+        </p:style>
+        <p:txBody>
+          <a:bodyPr rtlCol="0" anchor="ctr"/>
+          <a:lstStyle/>
+          <a:p>
+            <a:pPr algn="ctr"/>
+            <a:endParaRPr lang="zh-CN" altLang="en-US">
+              <a:solidFill>
+                <a:schemeClr val="tx1"/>
+              </a:solidFill>
+            </a:endParaRPr>
+          </a:p>
+        </p:txBody>
+      </p:sp>
+      <p:sp>
+        <p:nvSpPr>
+          <p:cNvPr id="84" name="同心圆 83"/>
+          <p:cNvSpPr/>
+          <p:nvPr/>
+        </p:nvSpPr>
+        <p:spPr>
+          <a:xfrm>
+            <a:off x="3538967" y="4520125"/>
+            <a:ext cx="458308" cy="458308"/>
+          </a:xfrm>
+          <a:prstGeom prst="donut">
+            <a:avLst/>
+          </a:prstGeom>
+          <a:solidFill>
+            <a:schemeClr val="tx1"/>
+          </a:solidFill>
+          <a:ln>
+            <a:noFill/>
+          </a:ln>
+        </p:spPr>
+        <p:style>
+          <a:lnRef idx="2">
+            <a:schemeClr val="accent1">
+              <a:shade val="50000"/>
+            </a:schemeClr>
+          </a:lnRef>
+          <a:fillRef idx="1">
+            <a:schemeClr val="accent1"/>
+          </a:fillRef>
+          <a:effectRef idx="0">
+            <a:schemeClr val="accent1"/>
+          </a:effectRef>
+          <a:fontRef idx="minor">
+            <a:schemeClr val="lt1"/>
+          </a:fontRef>
+        </p:style>
+        <p:txBody>
+          <a:bodyPr rtlCol="0" anchor="ctr"/>
+          <a:lstStyle/>
+          <a:p>
+            <a:pPr algn="ctr"/>
+            <a:endParaRPr lang="zh-CN" altLang="en-US">
+              <a:solidFill>
+                <a:schemeClr val="tx1"/>
+              </a:solidFill>
+            </a:endParaRPr>
+          </a:p>
+        </p:txBody>
+      </p:sp>
+      <p:pic>
+        <p:nvPicPr>
+          <p:cNvPr id="85" name="图片 84">
+            <a:extLst>
+              <a:ext uri="{FF2B5EF4-FFF2-40B4-BE49-F238E27FC236}">
+                <a16:creationId xmlns:a16="http://schemas.microsoft.com/office/drawing/2014/main" xmlns="" id="{0609D585-79F7-49EB-9401-E0C267C6CF88}"/>
+              </a:ext>
+            </a:extLst>
+          </p:cNvPr>
+          <p:cNvPicPr>
+            <a:picLocks noChangeAspect="1"/>
+          </p:cNvPicPr>
+          <p:nvPr/>
+        </p:nvPicPr>
+        <p:blipFill>
+          <a:blip r:embed="rId11" cstate="print">
+            <a:extLst>
+              <a:ext uri="{28A0092B-C50C-407E-A947-70E740481C1C}">
+                <a14:useLocalDpi xmlns:a14="http://schemas.microsoft.com/office/drawing/2010/main" val="0"/>
+              </a:ext>
+            </a:extLst>
+          </a:blip>
+          <a:stretch>
+            <a:fillRect/>
+          </a:stretch>
+        </p:blipFill>
+        <p:spPr>
+          <a:xfrm>
+            <a:off x="687981" y="2433033"/>
+            <a:ext cx="618426" cy="618426"/>
+          </a:xfrm>
+          <a:prstGeom prst="rect">
+            <a:avLst/>
+          </a:prstGeom>
+        </p:spPr>
+      </p:pic>
+      <p:pic>
+        <p:nvPicPr>
+          <p:cNvPr id="86" name="图片 85">
+            <a:extLst>
+              <a:ext uri="{FF2B5EF4-FFF2-40B4-BE49-F238E27FC236}">
+                <a16:creationId xmlns:a16="http://schemas.microsoft.com/office/drawing/2014/main" xmlns="" id="{0609D585-79F7-49EB-9401-E0C267C6CF88}"/>
+              </a:ext>
+            </a:extLst>
+          </p:cNvPr>
+          <p:cNvPicPr>
+            <a:picLocks noChangeAspect="1"/>
+          </p:cNvPicPr>
+          <p:nvPr/>
+        </p:nvPicPr>
+        <p:blipFill>
+          <a:blip r:embed="rId11" cstate="print">
+            <a:extLst>
+              <a:ext uri="{28A0092B-C50C-407E-A947-70E740481C1C}">
+                <a14:useLocalDpi xmlns:a14="http://schemas.microsoft.com/office/drawing/2010/main" val="0"/>
+              </a:ext>
+            </a:extLst>
+          </a:blip>
+          <a:stretch>
+            <a:fillRect/>
+          </a:stretch>
+        </p:blipFill>
+        <p:spPr>
+          <a:xfrm>
+            <a:off x="982669" y="2957316"/>
+            <a:ext cx="618426" cy="618426"/>
+          </a:xfrm>
+          <a:prstGeom prst="rect">
+            <a:avLst/>
+          </a:prstGeom>
+        </p:spPr>
+      </p:pic>
+      <p:pic>
+        <p:nvPicPr>
+          <p:cNvPr id="87" name="图片 86">
+            <a:extLst>
+              <a:ext uri="{FF2B5EF4-FFF2-40B4-BE49-F238E27FC236}">
+                <a16:creationId xmlns:a16="http://schemas.microsoft.com/office/drawing/2014/main" xmlns="" id="{0609D585-79F7-49EB-9401-E0C267C6CF88}"/>
+              </a:ext>
+            </a:extLst>
+          </p:cNvPr>
+          <p:cNvPicPr>
+            <a:picLocks noChangeAspect="1"/>
+          </p:cNvPicPr>
+          <p:nvPr/>
+        </p:nvPicPr>
+        <p:blipFill>
+          <a:blip r:embed="rId11" cstate="print">
+            <a:extLst>
+              <a:ext uri="{28A0092B-C50C-407E-A947-70E740481C1C}">
+                <a14:useLocalDpi xmlns:a14="http://schemas.microsoft.com/office/drawing/2010/main" val="0"/>
+              </a:ext>
+            </a:extLst>
+          </a:blip>
+          <a:stretch>
+            <a:fillRect/>
+          </a:stretch>
+        </p:blipFill>
+        <p:spPr>
+          <a:xfrm>
+            <a:off x="364243" y="3110086"/>
+            <a:ext cx="618426" cy="618426"/>
+          </a:xfrm>
+          <a:prstGeom prst="rect">
+            <a:avLst/>
+          </a:prstGeom>
+        </p:spPr>
+      </p:pic>
+      <p:pic>
+        <p:nvPicPr>
+          <p:cNvPr id="88" name="图片 87">
+            <a:extLst>
+              <a:ext uri="{FF2B5EF4-FFF2-40B4-BE49-F238E27FC236}">
+                <a16:creationId xmlns:a16="http://schemas.microsoft.com/office/drawing/2014/main" xmlns="" id="{0609D585-79F7-49EB-9401-E0C267C6CF88}"/>
+              </a:ext>
+            </a:extLst>
+          </p:cNvPr>
+          <p:cNvPicPr>
+            <a:picLocks noChangeAspect="1"/>
+          </p:cNvPicPr>
+          <p:nvPr/>
+        </p:nvPicPr>
+        <p:blipFill>
+          <a:blip r:embed="rId11" cstate="print">
+            <a:extLst>
+              <a:ext uri="{28A0092B-C50C-407E-A947-70E740481C1C}">
+                <a14:useLocalDpi xmlns:a14="http://schemas.microsoft.com/office/drawing/2010/main" val="0"/>
+              </a:ext>
+            </a:extLst>
+          </a:blip>
+          <a:stretch>
+            <a:fillRect/>
+          </a:stretch>
+        </p:blipFill>
+        <p:spPr>
+          <a:xfrm>
+            <a:off x="258723" y="4034051"/>
+            <a:ext cx="618426" cy="618426"/>
+          </a:xfrm>
+          <a:prstGeom prst="rect">
+            <a:avLst/>
+          </a:prstGeom>
+        </p:spPr>
+      </p:pic>
+      <p:pic>
+        <p:nvPicPr>
+          <p:cNvPr id="89" name="图片 88">
+            <a:extLst>
+              <a:ext uri="{FF2B5EF4-FFF2-40B4-BE49-F238E27FC236}">
+                <a16:creationId xmlns:a16="http://schemas.microsoft.com/office/drawing/2014/main" xmlns="" id="{0609D585-79F7-49EB-9401-E0C267C6CF88}"/>
+              </a:ext>
+            </a:extLst>
+          </p:cNvPr>
+          <p:cNvPicPr>
+            <a:picLocks noChangeAspect="1"/>
+          </p:cNvPicPr>
+          <p:nvPr/>
+        </p:nvPicPr>
+        <p:blipFill>
+          <a:blip r:embed="rId11" cstate="print">
+            <a:extLst>
+              <a:ext uri="{28A0092B-C50C-407E-A947-70E740481C1C}">
+                <a14:useLocalDpi xmlns:a14="http://schemas.microsoft.com/office/drawing/2010/main" val="0"/>
+              </a:ext>
+            </a:extLst>
+          </a:blip>
+          <a:stretch>
+            <a:fillRect/>
+          </a:stretch>
+        </p:blipFill>
+        <p:spPr>
+          <a:xfrm>
+            <a:off x="963514" y="4631420"/>
+            <a:ext cx="618426" cy="618426"/>
+          </a:xfrm>
+          <a:prstGeom prst="rect">
+            <a:avLst/>
+          </a:prstGeom>
+        </p:spPr>
+      </p:pic>
+      <p:pic>
+        <p:nvPicPr>
+          <p:cNvPr id="90" name="图片 89">
+            <a:extLst>
+              <a:ext uri="{FF2B5EF4-FFF2-40B4-BE49-F238E27FC236}">
+                <a16:creationId xmlns:a16="http://schemas.microsoft.com/office/drawing/2014/main" xmlns="" id="{0609D585-79F7-49EB-9401-E0C267C6CF88}"/>
+              </a:ext>
+            </a:extLst>
+          </p:cNvPr>
+          <p:cNvPicPr>
+            <a:picLocks noChangeAspect="1"/>
+          </p:cNvPicPr>
+          <p:nvPr/>
+        </p:nvPicPr>
+        <p:blipFill>
+          <a:blip r:embed="rId11" cstate="print">
+            <a:extLst>
+              <a:ext uri="{28A0092B-C50C-407E-A947-70E740481C1C}">
+                <a14:useLocalDpi xmlns:a14="http://schemas.microsoft.com/office/drawing/2010/main" val="0"/>
+              </a:ext>
+            </a:extLst>
+          </a:blip>
+          <a:stretch>
+            <a:fillRect/>
+          </a:stretch>
+        </p:blipFill>
+        <p:spPr>
+          <a:xfrm>
+            <a:off x="982667" y="3809811"/>
+            <a:ext cx="618426" cy="618426"/>
+          </a:xfrm>
+          <a:prstGeom prst="rect">
+            <a:avLst/>
+          </a:prstGeom>
+        </p:spPr>
+      </p:pic>
+      <p:pic>
+        <p:nvPicPr>
+          <p:cNvPr id="91" name="图片 90">
+            <a:extLst>
+              <a:ext uri="{FF2B5EF4-FFF2-40B4-BE49-F238E27FC236}">
+                <a16:creationId xmlns:a16="http://schemas.microsoft.com/office/drawing/2014/main" xmlns="" id="{0609D585-79F7-49EB-9401-E0C267C6CF88}"/>
+              </a:ext>
+            </a:extLst>
+          </p:cNvPr>
+          <p:cNvPicPr>
+            <a:picLocks noChangeAspect="1"/>
+          </p:cNvPicPr>
+          <p:nvPr/>
+        </p:nvPicPr>
+        <p:blipFill>
+          <a:blip r:embed="rId11" cstate="print">
+            <a:extLst>
+              <a:ext uri="{28A0092B-C50C-407E-A947-70E740481C1C}">
+                <a14:useLocalDpi xmlns:a14="http://schemas.microsoft.com/office/drawing/2010/main" val="0"/>
+              </a:ext>
+            </a:extLst>
+          </a:blip>
+          <a:stretch>
+            <a:fillRect/>
+          </a:stretch>
+        </p:blipFill>
+        <p:spPr>
+          <a:xfrm>
+            <a:off x="300526" y="1905643"/>
+            <a:ext cx="618426" cy="618426"/>
+          </a:xfrm>
+          <a:prstGeom prst="rect">
+            <a:avLst/>
+          </a:prstGeom>
+        </p:spPr>
+      </p:pic>
     </p:spTree>
     <p:extLst>
       <p:ext uri="{BB962C8B-B14F-4D97-AF65-F5344CB8AC3E}">
@@ -5174,7 +5937,7 @@
           <p:cNvPr id="4" name="图片 3">
             <a:extLst>
               <a:ext uri="{FF2B5EF4-FFF2-40B4-BE49-F238E27FC236}">
-                <a16:creationId xmlns="" xmlns:a16="http://schemas.microsoft.com/office/drawing/2014/main" id="{0609D585-79F7-49EB-9401-E0C267C6CF88}"/>
+                <a16:creationId xmlns:a16="http://schemas.microsoft.com/office/drawing/2014/main" xmlns="" id="{0609D585-79F7-49EB-9401-E0C267C6CF88}"/>
               </a:ext>
             </a:extLst>
           </p:cNvPr>
@@ -5460,7 +6223,7 @@
           <p:cNvPr id="13" name="图片 12">
             <a:extLst>
               <a:ext uri="{FF2B5EF4-FFF2-40B4-BE49-F238E27FC236}">
-                <a16:creationId xmlns="" xmlns:a16="http://schemas.microsoft.com/office/drawing/2014/main" id="{0609D585-79F7-49EB-9401-E0C267C6CF88}"/>
+                <a16:creationId xmlns:a16="http://schemas.microsoft.com/office/drawing/2014/main" xmlns="" id="{0609D585-79F7-49EB-9401-E0C267C6CF88}"/>
               </a:ext>
             </a:extLst>
           </p:cNvPr>
@@ -5496,7 +6259,7 @@
           <p:cNvPr id="14" name="图片 13">
             <a:extLst>
               <a:ext uri="{FF2B5EF4-FFF2-40B4-BE49-F238E27FC236}">
-                <a16:creationId xmlns="" xmlns:a16="http://schemas.microsoft.com/office/drawing/2014/main" id="{0609D585-79F7-49EB-9401-E0C267C6CF88}"/>
+                <a16:creationId xmlns:a16="http://schemas.microsoft.com/office/drawing/2014/main" xmlns="" id="{0609D585-79F7-49EB-9401-E0C267C6CF88}"/>
               </a:ext>
             </a:extLst>
           </p:cNvPr>
@@ -5532,7 +6295,7 @@
           <p:cNvPr id="15" name="图片 14">
             <a:extLst>
               <a:ext uri="{FF2B5EF4-FFF2-40B4-BE49-F238E27FC236}">
-                <a16:creationId xmlns="" xmlns:a16="http://schemas.microsoft.com/office/drawing/2014/main" id="{0609D585-79F7-49EB-9401-E0C267C6CF88}"/>
+                <a16:creationId xmlns:a16="http://schemas.microsoft.com/office/drawing/2014/main" xmlns="" id="{0609D585-79F7-49EB-9401-E0C267C6CF88}"/>
               </a:ext>
             </a:extLst>
           </p:cNvPr>
@@ -5568,7 +6331,7 @@
           <p:cNvPr id="16" name="图片 15">
             <a:extLst>
               <a:ext uri="{FF2B5EF4-FFF2-40B4-BE49-F238E27FC236}">
-                <a16:creationId xmlns="" xmlns:a16="http://schemas.microsoft.com/office/drawing/2014/main" id="{0609D585-79F7-49EB-9401-E0C267C6CF88}"/>
+                <a16:creationId xmlns:a16="http://schemas.microsoft.com/office/drawing/2014/main" xmlns="" id="{0609D585-79F7-49EB-9401-E0C267C6CF88}"/>
               </a:ext>
             </a:extLst>
           </p:cNvPr>
@@ -5787,7 +6550,7 @@
           <a:graphicData uri="http://schemas.openxmlformats.org/presentationml/2006/ole">
             <mc:AlternateContent xmlns:mc="http://schemas.openxmlformats.org/markup-compatibility/2006">
               <mc:Choice xmlns:v="urn:schemas-microsoft-com:vml" Requires="v">
-                <p:oleObj spid="_x0000_s2191" name="Equation" r:id="rId7" imgW="114120" imgH="228600" progId="Equation.DSMT4">
+                <p:oleObj spid="_x0000_s2220" name="Equation" r:id="rId7" imgW="114120" imgH="228600" progId="Equation.DSMT4">
                   <p:embed/>
                 </p:oleObj>
               </mc:Choice>
@@ -5844,7 +6607,7 @@
           <a:graphicData uri="http://schemas.openxmlformats.org/presentationml/2006/ole">
             <mc:AlternateContent xmlns:mc="http://schemas.openxmlformats.org/markup-compatibility/2006">
               <mc:Choice xmlns:v="urn:schemas-microsoft-com:vml" Requires="v">
-                <p:oleObj spid="_x0000_s2192" name="Equation" r:id="rId9" imgW="164880" imgH="279360" progId="Equation.DSMT4">
+                <p:oleObj spid="_x0000_s2221" name="Equation" r:id="rId9" imgW="164880" imgH="279360" progId="Equation.DSMT4">
                   <p:embed/>
                 </p:oleObj>
               </mc:Choice>
@@ -5927,7 +6690,7 @@
           <a:graphicData uri="http://schemas.openxmlformats.org/presentationml/2006/ole">
             <mc:AlternateContent xmlns:mc="http://schemas.openxmlformats.org/markup-compatibility/2006">
               <mc:Choice xmlns:v="urn:schemas-microsoft-com:vml" Requires="v">
-                <p:oleObj spid="_x0000_s2193" name="Equation" r:id="rId11" imgW="152280" imgH="279360" progId="Equation.DSMT4">
+                <p:oleObj spid="_x0000_s2222" name="Equation" r:id="rId11" imgW="152280" imgH="279360" progId="Equation.DSMT4">
                   <p:embed/>
                 </p:oleObj>
               </mc:Choice>
@@ -6058,35 +6821,6 @@
           </a:fontRef>
         </p:style>
       </p:cxnSp>
-      <p:sp>
-        <p:nvSpPr>
-          <p:cNvPr id="47" name="TextBox 46"/>
-          <p:cNvSpPr txBox="1"/>
-          <p:nvPr/>
-        </p:nvSpPr>
-        <p:spPr>
-          <a:xfrm>
-            <a:off x="1061085" y="3518164"/>
-            <a:ext cx="604474" cy="263929"/>
-          </a:xfrm>
-          <a:prstGeom prst="rect">
-            <a:avLst/>
-          </a:prstGeom>
-          <a:noFill/>
-        </p:spPr>
-        <p:txBody>
-          <a:bodyPr wrap="square" rtlCol="0">
-            <a:spAutoFit/>
-          </a:bodyPr>
-          <a:lstStyle/>
-          <a:p>
-            <a:r>
-              <a:rPr lang="zh-CN" altLang="en-US" sz="2800" b="1" dirty="0"/>
-              <a:t>间隔</a:t>
-            </a:r>
-          </a:p>
-        </p:txBody>
-      </p:sp>
       <p:cxnSp>
         <p:nvCxnSpPr>
           <p:cNvPr id="48" name="直接连接符 47"/>
@@ -6128,7 +6862,7 @@
           <p:cNvPr id="52" name="图片 51">
             <a:extLst>
               <a:ext uri="{FF2B5EF4-FFF2-40B4-BE49-F238E27FC236}">
-                <a16:creationId xmlns="" xmlns:a16="http://schemas.microsoft.com/office/drawing/2014/main" id="{0609D585-79F7-49EB-9401-E0C267C6CF88}"/>
+                <a16:creationId xmlns:a16="http://schemas.microsoft.com/office/drawing/2014/main" xmlns="" id="{0609D585-79F7-49EB-9401-E0C267C6CF88}"/>
               </a:ext>
             </a:extLst>
           </p:cNvPr>
@@ -6164,7 +6898,7 @@
           <p:cNvPr id="53" name="图片 52">
             <a:extLst>
               <a:ext uri="{FF2B5EF4-FFF2-40B4-BE49-F238E27FC236}">
-                <a16:creationId xmlns="" xmlns:a16="http://schemas.microsoft.com/office/drawing/2014/main" id="{0609D585-79F7-49EB-9401-E0C267C6CF88}"/>
+                <a16:creationId xmlns:a16="http://schemas.microsoft.com/office/drawing/2014/main" xmlns="" id="{0609D585-79F7-49EB-9401-E0C267C6CF88}"/>
               </a:ext>
             </a:extLst>
           </p:cNvPr>
@@ -6250,7 +6984,7 @@
           <p:cNvPr id="59" name="图片 58">
             <a:extLst>
               <a:ext uri="{FF2B5EF4-FFF2-40B4-BE49-F238E27FC236}">
-                <a16:creationId xmlns="" xmlns:a16="http://schemas.microsoft.com/office/drawing/2014/main" id="{0609D585-79F7-49EB-9401-E0C267C6CF88}"/>
+                <a16:creationId xmlns:a16="http://schemas.microsoft.com/office/drawing/2014/main" xmlns="" id="{0609D585-79F7-49EB-9401-E0C267C6CF88}"/>
               </a:ext>
             </a:extLst>
           </p:cNvPr>
@@ -6536,7 +7270,7 @@
           <p:cNvPr id="68" name="图片 67">
             <a:extLst>
               <a:ext uri="{FF2B5EF4-FFF2-40B4-BE49-F238E27FC236}">
-                <a16:creationId xmlns="" xmlns:a16="http://schemas.microsoft.com/office/drawing/2014/main" id="{0609D585-79F7-49EB-9401-E0C267C6CF88}"/>
+                <a16:creationId xmlns:a16="http://schemas.microsoft.com/office/drawing/2014/main" xmlns="" id="{0609D585-79F7-49EB-9401-E0C267C6CF88}"/>
               </a:ext>
             </a:extLst>
           </p:cNvPr>
@@ -6572,7 +7306,7 @@
           <p:cNvPr id="69" name="图片 68">
             <a:extLst>
               <a:ext uri="{FF2B5EF4-FFF2-40B4-BE49-F238E27FC236}">
-                <a16:creationId xmlns="" xmlns:a16="http://schemas.microsoft.com/office/drawing/2014/main" id="{0609D585-79F7-49EB-9401-E0C267C6CF88}"/>
+                <a16:creationId xmlns:a16="http://schemas.microsoft.com/office/drawing/2014/main" xmlns="" id="{0609D585-79F7-49EB-9401-E0C267C6CF88}"/>
               </a:ext>
             </a:extLst>
           </p:cNvPr>
@@ -6608,7 +7342,7 @@
           <p:cNvPr id="70" name="图片 69">
             <a:extLst>
               <a:ext uri="{FF2B5EF4-FFF2-40B4-BE49-F238E27FC236}">
-                <a16:creationId xmlns="" xmlns:a16="http://schemas.microsoft.com/office/drawing/2014/main" id="{0609D585-79F7-49EB-9401-E0C267C6CF88}"/>
+                <a16:creationId xmlns:a16="http://schemas.microsoft.com/office/drawing/2014/main" xmlns="" id="{0609D585-79F7-49EB-9401-E0C267C6CF88}"/>
               </a:ext>
             </a:extLst>
           </p:cNvPr>
@@ -6644,7 +7378,7 @@
           <p:cNvPr id="71" name="图片 70">
             <a:extLst>
               <a:ext uri="{FF2B5EF4-FFF2-40B4-BE49-F238E27FC236}">
-                <a16:creationId xmlns="" xmlns:a16="http://schemas.microsoft.com/office/drawing/2014/main" id="{0609D585-79F7-49EB-9401-E0C267C6CF88}"/>
+                <a16:creationId xmlns:a16="http://schemas.microsoft.com/office/drawing/2014/main" xmlns="" id="{0609D585-79F7-49EB-9401-E0C267C6CF88}"/>
               </a:ext>
             </a:extLst>
           </p:cNvPr>
@@ -6863,7 +7597,7 @@
           <a:graphicData uri="http://schemas.openxmlformats.org/presentationml/2006/ole">
             <mc:AlternateContent xmlns:mc="http://schemas.openxmlformats.org/markup-compatibility/2006">
               <mc:Choice xmlns:v="urn:schemas-microsoft-com:vml" Requires="v">
-                <p:oleObj spid="_x0000_s2194" name="Equation" r:id="rId13" imgW="114120" imgH="228600" progId="Equation.DSMT4">
+                <p:oleObj spid="_x0000_s2223" name="Equation" r:id="rId13" imgW="114120" imgH="228600" progId="Equation.DSMT4">
                   <p:embed/>
                 </p:oleObj>
               </mc:Choice>
@@ -6920,7 +7654,7 @@
           <a:graphicData uri="http://schemas.openxmlformats.org/presentationml/2006/ole">
             <mc:AlternateContent xmlns:mc="http://schemas.openxmlformats.org/markup-compatibility/2006">
               <mc:Choice xmlns:v="urn:schemas-microsoft-com:vml" Requires="v">
-                <p:oleObj spid="_x0000_s2195" name="Equation" r:id="rId14" imgW="164880" imgH="279360" progId="Equation.DSMT4">
+                <p:oleObj spid="_x0000_s2224" name="Equation" r:id="rId14" imgW="164880" imgH="279360" progId="Equation.DSMT4">
                   <p:embed/>
                 </p:oleObj>
               </mc:Choice>
@@ -7003,7 +7737,7 @@
           <a:graphicData uri="http://schemas.openxmlformats.org/presentationml/2006/ole">
             <mc:AlternateContent xmlns:mc="http://schemas.openxmlformats.org/markup-compatibility/2006">
               <mc:Choice xmlns:v="urn:schemas-microsoft-com:vml" Requires="v">
-                <p:oleObj spid="_x0000_s2196" name="Equation" r:id="rId16" imgW="152280" imgH="279360" progId="Equation.DSMT4">
+                <p:oleObj spid="_x0000_s2225" name="Equation" r:id="rId16" imgW="152280" imgH="279360" progId="Equation.DSMT4">
                   <p:embed/>
                 </p:oleObj>
               </mc:Choice>
@@ -7134,35 +7868,6 @@
           </a:fontRef>
         </p:style>
       </p:cxnSp>
-      <p:sp>
-        <p:nvSpPr>
-          <p:cNvPr id="81" name="TextBox 80"/>
-          <p:cNvSpPr txBox="1"/>
-          <p:nvPr/>
-        </p:nvSpPr>
-        <p:spPr>
-          <a:xfrm>
-            <a:off x="7509343" y="3518185"/>
-            <a:ext cx="604474" cy="263929"/>
-          </a:xfrm>
-          <a:prstGeom prst="rect">
-            <a:avLst/>
-          </a:prstGeom>
-          <a:noFill/>
-        </p:spPr>
-        <p:txBody>
-          <a:bodyPr wrap="square" rtlCol="0">
-            <a:spAutoFit/>
-          </a:bodyPr>
-          <a:lstStyle/>
-          <a:p>
-            <a:r>
-              <a:rPr lang="zh-CN" altLang="en-US" sz="2800" b="1" dirty="0"/>
-              <a:t>间隔</a:t>
-            </a:r>
-          </a:p>
-        </p:txBody>
-      </p:sp>
       <p:cxnSp>
         <p:nvCxnSpPr>
           <p:cNvPr id="82" name="直接连接符 81"/>
@@ -7204,7 +7909,7 @@
           <p:cNvPr id="83" name="图片 82">
             <a:extLst>
               <a:ext uri="{FF2B5EF4-FFF2-40B4-BE49-F238E27FC236}">
-                <a16:creationId xmlns="" xmlns:a16="http://schemas.microsoft.com/office/drawing/2014/main" id="{0609D585-79F7-49EB-9401-E0C267C6CF88}"/>
+                <a16:creationId xmlns:a16="http://schemas.microsoft.com/office/drawing/2014/main" xmlns="" id="{0609D585-79F7-49EB-9401-E0C267C6CF88}"/>
               </a:ext>
             </a:extLst>
           </p:cNvPr>
@@ -7240,7 +7945,7 @@
           <p:cNvPr id="84" name="图片 83">
             <a:extLst>
               <a:ext uri="{FF2B5EF4-FFF2-40B4-BE49-F238E27FC236}">
-                <a16:creationId xmlns="" xmlns:a16="http://schemas.microsoft.com/office/drawing/2014/main" id="{0609D585-79F7-49EB-9401-E0C267C6CF88}"/>
+                <a16:creationId xmlns:a16="http://schemas.microsoft.com/office/drawing/2014/main" xmlns="" id="{0609D585-79F7-49EB-9401-E0C267C6CF88}"/>
               </a:ext>
             </a:extLst>
           </p:cNvPr>
@@ -7326,7 +8031,7 @@
           <p:cNvPr id="115" name="图片 114">
             <a:extLst>
               <a:ext uri="{FF2B5EF4-FFF2-40B4-BE49-F238E27FC236}">
-                <a16:creationId xmlns="" xmlns:a16="http://schemas.microsoft.com/office/drawing/2014/main" id="{0609D585-79F7-49EB-9401-E0C267C6CF88}"/>
+                <a16:creationId xmlns:a16="http://schemas.microsoft.com/office/drawing/2014/main" xmlns="" id="{0609D585-79F7-49EB-9401-E0C267C6CF88}"/>
               </a:ext>
             </a:extLst>
           </p:cNvPr>
@@ -7612,7 +8317,7 @@
           <p:cNvPr id="121" name="图片 120">
             <a:extLst>
               <a:ext uri="{FF2B5EF4-FFF2-40B4-BE49-F238E27FC236}">
-                <a16:creationId xmlns="" xmlns:a16="http://schemas.microsoft.com/office/drawing/2014/main" id="{0609D585-79F7-49EB-9401-E0C267C6CF88}"/>
+                <a16:creationId xmlns:a16="http://schemas.microsoft.com/office/drawing/2014/main" xmlns="" id="{0609D585-79F7-49EB-9401-E0C267C6CF88}"/>
               </a:ext>
             </a:extLst>
           </p:cNvPr>
@@ -7648,7 +8353,7 @@
           <p:cNvPr id="122" name="图片 121">
             <a:extLst>
               <a:ext uri="{FF2B5EF4-FFF2-40B4-BE49-F238E27FC236}">
-                <a16:creationId xmlns="" xmlns:a16="http://schemas.microsoft.com/office/drawing/2014/main" id="{0609D585-79F7-49EB-9401-E0C267C6CF88}"/>
+                <a16:creationId xmlns:a16="http://schemas.microsoft.com/office/drawing/2014/main" xmlns="" id="{0609D585-79F7-49EB-9401-E0C267C6CF88}"/>
               </a:ext>
             </a:extLst>
           </p:cNvPr>
@@ -7684,7 +8389,7 @@
           <p:cNvPr id="123" name="图片 122">
             <a:extLst>
               <a:ext uri="{FF2B5EF4-FFF2-40B4-BE49-F238E27FC236}">
-                <a16:creationId xmlns="" xmlns:a16="http://schemas.microsoft.com/office/drawing/2014/main" id="{0609D585-79F7-49EB-9401-E0C267C6CF88}"/>
+                <a16:creationId xmlns:a16="http://schemas.microsoft.com/office/drawing/2014/main" xmlns="" id="{0609D585-79F7-49EB-9401-E0C267C6CF88}"/>
               </a:ext>
             </a:extLst>
           </p:cNvPr>
@@ -7720,7 +8425,7 @@
           <p:cNvPr id="124" name="图片 123">
             <a:extLst>
               <a:ext uri="{FF2B5EF4-FFF2-40B4-BE49-F238E27FC236}">
-                <a16:creationId xmlns="" xmlns:a16="http://schemas.microsoft.com/office/drawing/2014/main" id="{0609D585-79F7-49EB-9401-E0C267C6CF88}"/>
+                <a16:creationId xmlns:a16="http://schemas.microsoft.com/office/drawing/2014/main" xmlns="" id="{0609D585-79F7-49EB-9401-E0C267C6CF88}"/>
               </a:ext>
             </a:extLst>
           </p:cNvPr>
@@ -7804,9 +8509,7 @@
       <p:cxnSp>
         <p:nvCxnSpPr>
           <p:cNvPr id="126" name="直接连接符 125"/>
-          <p:cNvCxnSpPr>
-            <a:stCxn id="128" idx="1"/>
-          </p:cNvCxnSpPr>
+          <p:cNvCxnSpPr/>
           <p:nvPr/>
         </p:nvCxnSpPr>
         <p:spPr>
@@ -7921,63 +8624,6 @@
       </p:pic>
       <p:graphicFrame>
         <p:nvGraphicFramePr>
-          <p:cNvPr id="128" name="对象 127"/>
-          <p:cNvGraphicFramePr>
-            <a:graphicFrameLocks noChangeAspect="1"/>
-          </p:cNvGraphicFramePr>
-          <p:nvPr>
-            <p:extLst>
-              <p:ext uri="{D42A27DB-BD31-4B8C-83A1-F6EECF244321}">
-                <p14:modId xmlns:p14="http://schemas.microsoft.com/office/powerpoint/2010/main" val="2072491977"/>
-              </p:ext>
-            </p:extLst>
-          </p:nvPr>
-        </p:nvGraphicFramePr>
-        <p:xfrm>
-          <a:off x="3970102" y="1637824"/>
-          <a:ext cx="195470" cy="390940"/>
-        </p:xfrm>
-        <a:graphic>
-          <a:graphicData uri="http://schemas.openxmlformats.org/presentationml/2006/ole">
-            <mc:AlternateContent xmlns:mc="http://schemas.openxmlformats.org/markup-compatibility/2006">
-              <mc:Choice xmlns:v="urn:schemas-microsoft-com:vml" Requires="v">
-                <p:oleObj spid="_x0000_s2197" name="Equation" r:id="rId18" imgW="114120" imgH="228600" progId="Equation.DSMT4">
-                  <p:embed/>
-                </p:oleObj>
-              </mc:Choice>
-              <mc:Fallback>
-                <p:oleObj name="Equation" r:id="rId18" imgW="114120" imgH="228600" progId="Equation.DSMT4">
-                  <p:embed/>
-                  <p:pic>
-                    <p:nvPicPr>
-                      <p:cNvPr id="0" name=""/>
-                      <p:cNvPicPr/>
-                      <p:nvPr/>
-                    </p:nvPicPr>
-                    <p:blipFill>
-                      <a:blip r:embed="rId8"/>
-                      <a:stretch>
-                        <a:fillRect/>
-                      </a:stretch>
-                    </p:blipFill>
-                    <p:spPr>
-                      <a:xfrm>
-                        <a:off x="3970102" y="1637824"/>
-                        <a:ext cx="195470" cy="390940"/>
-                      </a:xfrm>
-                      <a:prstGeom prst="rect">
-                        <a:avLst/>
-                      </a:prstGeom>
-                    </p:spPr>
-                  </p:pic>
-                </p:oleObj>
-              </mc:Fallback>
-            </mc:AlternateContent>
-          </a:graphicData>
-        </a:graphic>
-      </p:graphicFrame>
-      <p:graphicFrame>
-        <p:nvGraphicFramePr>
           <p:cNvPr id="129" name="对象 128"/>
           <p:cNvGraphicFramePr>
             <a:graphicFrameLocks noChangeAspect="1"/>
@@ -7998,12 +8644,12 @@
           <a:graphicData uri="http://schemas.openxmlformats.org/presentationml/2006/ole">
             <mc:AlternateContent xmlns:mc="http://schemas.openxmlformats.org/markup-compatibility/2006">
               <mc:Choice xmlns:v="urn:schemas-microsoft-com:vml" Requires="v">
-                <p:oleObj spid="_x0000_s2198" name="Equation" r:id="rId19" imgW="164880" imgH="279360" progId="Equation.DSMT4">
+                <p:oleObj spid="_x0000_s2226" name="Equation" r:id="rId18" imgW="164880" imgH="279360" progId="Equation.DSMT4">
                   <p:embed/>
                 </p:oleObj>
               </mc:Choice>
               <mc:Fallback>
-                <p:oleObj name="Equation" r:id="rId19" imgW="164880" imgH="279360" progId="Equation.DSMT4">
+                <p:oleObj name="Equation" r:id="rId18" imgW="164880" imgH="279360" progId="Equation.DSMT4">
                   <p:embed/>
                   <p:pic>
                     <p:nvPicPr>
@@ -8081,12 +8727,12 @@
           <a:graphicData uri="http://schemas.openxmlformats.org/presentationml/2006/ole">
             <mc:AlternateContent xmlns:mc="http://schemas.openxmlformats.org/markup-compatibility/2006">
               <mc:Choice xmlns:v="urn:schemas-microsoft-com:vml" Requires="v">
-                <p:oleObj spid="_x0000_s2199" name="Equation" r:id="rId20" imgW="152280" imgH="279360" progId="Equation.DSMT4">
+                <p:oleObj spid="_x0000_s2227" name="Equation" r:id="rId19" imgW="152280" imgH="279360" progId="Equation.DSMT4">
                   <p:embed/>
                 </p:oleObj>
               </mc:Choice>
               <mc:Fallback>
-                <p:oleObj name="Equation" r:id="rId20" imgW="152280" imgH="279360" progId="Equation.DSMT4">
+                <p:oleObj name="Equation" r:id="rId19" imgW="152280" imgH="279360" progId="Equation.DSMT4">
                   <p:embed/>
                   <p:pic>
                     <p:nvPicPr>
@@ -8212,35 +8858,6 @@
           </a:fontRef>
         </p:style>
       </p:cxnSp>
-      <p:sp>
-        <p:nvSpPr>
-          <p:cNvPr id="133" name="TextBox 132"/>
-          <p:cNvSpPr txBox="1"/>
-          <p:nvPr/>
-        </p:nvSpPr>
-        <p:spPr>
-          <a:xfrm>
-            <a:off x="4264933" y="3535815"/>
-            <a:ext cx="604474" cy="263929"/>
-          </a:xfrm>
-          <a:prstGeom prst="rect">
-            <a:avLst/>
-          </a:prstGeom>
-          <a:noFill/>
-        </p:spPr>
-        <p:txBody>
-          <a:bodyPr wrap="square" rtlCol="0">
-            <a:spAutoFit/>
-          </a:bodyPr>
-          <a:lstStyle/>
-          <a:p>
-            <a:r>
-              <a:rPr lang="zh-CN" altLang="en-US" sz="2800" b="1" dirty="0"/>
-              <a:t>间隔</a:t>
-            </a:r>
-          </a:p>
-        </p:txBody>
-      </p:sp>
       <p:cxnSp>
         <p:nvCxnSpPr>
           <p:cNvPr id="134" name="直接连接符 133"/>
@@ -8282,7 +8899,7 @@
           <p:cNvPr id="135" name="图片 134">
             <a:extLst>
               <a:ext uri="{FF2B5EF4-FFF2-40B4-BE49-F238E27FC236}">
-                <a16:creationId xmlns="" xmlns:a16="http://schemas.microsoft.com/office/drawing/2014/main" id="{0609D585-79F7-49EB-9401-E0C267C6CF88}"/>
+                <a16:creationId xmlns:a16="http://schemas.microsoft.com/office/drawing/2014/main" xmlns="" id="{0609D585-79F7-49EB-9401-E0C267C6CF88}"/>
               </a:ext>
             </a:extLst>
           </p:cNvPr>
@@ -8318,7 +8935,7 @@
           <p:cNvPr id="136" name="图片 135">
             <a:extLst>
               <a:ext uri="{FF2B5EF4-FFF2-40B4-BE49-F238E27FC236}">
-                <a16:creationId xmlns="" xmlns:a16="http://schemas.microsoft.com/office/drawing/2014/main" id="{0609D585-79F7-49EB-9401-E0C267C6CF88}"/>
+                <a16:creationId xmlns:a16="http://schemas.microsoft.com/office/drawing/2014/main" xmlns="" id="{0609D585-79F7-49EB-9401-E0C267C6CF88}"/>
               </a:ext>
             </a:extLst>
           </p:cNvPr>
@@ -8399,120 +9016,95 @@
           </a:p>
         </p:txBody>
       </p:sp>
-      <p:sp>
-        <p:nvSpPr>
-          <p:cNvPr id="165" name="TextBox 164"/>
-          <p:cNvSpPr txBox="1"/>
-          <p:nvPr/>
-        </p:nvSpPr>
-        <p:spPr>
-          <a:xfrm>
-            <a:off x="1013947" y="5157192"/>
-            <a:ext cx="937475" cy="369332"/>
-          </a:xfrm>
-          <a:prstGeom prst="rect">
-            <a:avLst/>
-          </a:prstGeom>
-          <a:noFill/>
-        </p:spPr>
-        <p:txBody>
-          <a:bodyPr wrap="square" rtlCol="0">
-            <a:spAutoFit/>
-          </a:bodyPr>
-          <a:lstStyle/>
-          <a:p>
-            <a:r>
-              <a:rPr lang="zh-CN" altLang="en-US" dirty="0" smtClean="0"/>
-              <a:t>（</a:t>
-            </a:r>
-            <a:r>
-              <a:rPr lang="en-US" altLang="zh-CN" dirty="0" smtClean="0"/>
-              <a:t>A</a:t>
-            </a:r>
-            <a:r>
-              <a:rPr lang="zh-CN" altLang="en-US" dirty="0" smtClean="0"/>
-              <a:t>）</a:t>
-            </a:r>
-            <a:endParaRPr lang="zh-CN" altLang="en-US" dirty="0"/>
-          </a:p>
-        </p:txBody>
-      </p:sp>
-      <p:sp>
-        <p:nvSpPr>
-          <p:cNvPr id="166" name="TextBox 165"/>
-          <p:cNvSpPr txBox="1"/>
-          <p:nvPr/>
-        </p:nvSpPr>
-        <p:spPr>
-          <a:xfrm>
-            <a:off x="4086086" y="5159216"/>
-            <a:ext cx="937475" cy="369332"/>
-          </a:xfrm>
-          <a:prstGeom prst="rect">
-            <a:avLst/>
-          </a:prstGeom>
-          <a:noFill/>
-        </p:spPr>
-        <p:txBody>
-          <a:bodyPr wrap="square" rtlCol="0">
-            <a:spAutoFit/>
-          </a:bodyPr>
-          <a:lstStyle/>
-          <a:p>
-            <a:r>
-              <a:rPr lang="zh-CN" altLang="en-US" dirty="0" smtClean="0"/>
-              <a:t>（</a:t>
-            </a:r>
-            <a:r>
-              <a:rPr lang="en-US" altLang="zh-CN" dirty="0"/>
-              <a:t>B</a:t>
-            </a:r>
-            <a:r>
-              <a:rPr lang="zh-CN" altLang="en-US" dirty="0" smtClean="0"/>
-              <a:t>）</a:t>
-            </a:r>
-            <a:endParaRPr lang="zh-CN" altLang="en-US" dirty="0"/>
-          </a:p>
-        </p:txBody>
-      </p:sp>
-      <p:sp>
-        <p:nvSpPr>
-          <p:cNvPr id="167" name="TextBox 166"/>
-          <p:cNvSpPr txBox="1"/>
-          <p:nvPr/>
-        </p:nvSpPr>
-        <p:spPr>
-          <a:xfrm>
-            <a:off x="7276138" y="5159216"/>
-            <a:ext cx="937475" cy="369332"/>
-          </a:xfrm>
-          <a:prstGeom prst="rect">
-            <a:avLst/>
-          </a:prstGeom>
-          <a:noFill/>
-        </p:spPr>
-        <p:txBody>
-          <a:bodyPr wrap="square" rtlCol="0">
-            <a:spAutoFit/>
-          </a:bodyPr>
-          <a:lstStyle/>
-          <a:p>
-            <a:r>
-              <a:rPr lang="zh-CN" altLang="en-US" dirty="0" smtClean="0"/>
-              <a:t>（</a:t>
-            </a:r>
-            <a:r>
-              <a:rPr lang="en-US" altLang="zh-CN" dirty="0"/>
-              <a:t>C</a:t>
-            </a:r>
-            <a:r>
-              <a:rPr lang="zh-CN" altLang="en-US" dirty="0" smtClean="0"/>
-              <a:t>）</a:t>
-            </a:r>
-            <a:endParaRPr lang="zh-CN" altLang="en-US" dirty="0"/>
-          </a:p>
-        </p:txBody>
-      </p:sp>
+      <p:graphicFrame>
+        <p:nvGraphicFramePr>
+          <p:cNvPr id="2" name="对象 1"/>
+          <p:cNvGraphicFramePr>
+            <a:graphicFrameLocks noChangeAspect="1"/>
+          </p:cNvGraphicFramePr>
+          <p:nvPr>
+            <p:extLst>
+              <p:ext uri="{D42A27DB-BD31-4B8C-83A1-F6EECF244321}">
+                <p14:modId xmlns:p14="http://schemas.microsoft.com/office/powerpoint/2010/main" val="3257179875"/>
+              </p:ext>
+            </p:extLst>
+          </p:nvPr>
+        </p:nvGraphicFramePr>
+        <p:xfrm>
+          <a:off x="4157346" y="1611787"/>
+          <a:ext cx="195262" cy="390525"/>
+        </p:xfrm>
+        <a:graphic>
+          <a:graphicData uri="http://schemas.openxmlformats.org/presentationml/2006/ole">
+            <mc:AlternateContent xmlns:mc="http://schemas.openxmlformats.org/markup-compatibility/2006">
+              <mc:Choice xmlns:v="urn:schemas-microsoft-com:vml" Requires="v">
+                <p:oleObj spid="_x0000_s2228" name="Equation" r:id="rId20" imgW="114120" imgH="228600" progId="Equation.DSMT4">
+                  <p:embed/>
+                </p:oleObj>
+              </mc:Choice>
+              <mc:Fallback>
+                <p:oleObj name="Equation" r:id="rId20" imgW="114120" imgH="228600" progId="Equation.DSMT4">
+                  <p:embed/>
+                  <p:pic>
+                    <p:nvPicPr>
+                      <p:cNvPr id="0" name="对象 26"/>
+                      <p:cNvPicPr>
+                        <a:picLocks noChangeAspect="1" noChangeArrowheads="1"/>
+                      </p:cNvPicPr>
+                      <p:nvPr/>
+                    </p:nvPicPr>
+                    <p:blipFill>
+                      <a:blip r:embed="rId21">
+                        <a:extLst>
+                          <a:ext uri="{28A0092B-C50C-407E-A947-70E740481C1C}">
+                            <a14:useLocalDpi xmlns:a14="http://schemas.microsoft.com/office/drawing/2010/main" val="0"/>
+                          </a:ext>
+                        </a:extLst>
+                      </a:blip>
+                      <a:srcRect/>
+                      <a:stretch>
+                        <a:fillRect/>
+                      </a:stretch>
+                    </p:blipFill>
+                    <p:spPr bwMode="auto">
+                      <a:xfrm>
+                        <a:off x="4157346" y="1611787"/>
+                        <a:ext cx="195262" cy="390525"/>
+                      </a:xfrm>
+                      <a:prstGeom prst="rect">
+                        <a:avLst/>
+                      </a:prstGeom>
+                      <a:noFill/>
+                      <a:ln>
+                        <a:noFill/>
+                      </a:ln>
+                      <a:extLst>
+                        <a:ext uri="{909E8E84-426E-40DD-AFC4-6F175D3DCCD1}">
+                          <a14:hiddenFill xmlns:a14="http://schemas.microsoft.com/office/drawing/2010/main">
+                            <a:solidFill>
+                              <a:srgbClr val="FFFFFF"/>
+                            </a:solidFill>
+                          </a14:hiddenFill>
+                        </a:ext>
+                        <a:ext uri="{91240B29-F687-4F45-9708-019B960494DF}">
+                          <a14:hiddenLine xmlns:a14="http://schemas.microsoft.com/office/drawing/2010/main" w="9525">
+                            <a:solidFill>
+                              <a:srgbClr val="000000"/>
+                            </a:solidFill>
+                            <a:miter lim="800000"/>
+                            <a:headEnd/>
+                            <a:tailEnd/>
+                          </a14:hiddenLine>
+                        </a:ext>
+                      </a:extLst>
+                    </p:spPr>
+                  </p:pic>
+                </p:oleObj>
+              </mc:Fallback>
+            </mc:AlternateContent>
+          </a:graphicData>
+        </a:graphic>
+      </p:graphicFrame>
     </p:spTree>
     <p:extLst>
       <p:ext uri="{BB962C8B-B14F-4D97-AF65-F5344CB8AC3E}">
@@ -8555,7 +9147,7 @@
           <p:cNvPr id="115" name="图片 114">
             <a:extLst>
               <a:ext uri="{FF2B5EF4-FFF2-40B4-BE49-F238E27FC236}">
-                <a16:creationId xmlns="" xmlns:a16="http://schemas.microsoft.com/office/drawing/2014/main" id="{0609D585-79F7-49EB-9401-E0C267C6CF88}"/>
+                <a16:creationId xmlns:a16="http://schemas.microsoft.com/office/drawing/2014/main" xmlns="" id="{0609D585-79F7-49EB-9401-E0C267C6CF88}"/>
               </a:ext>
             </a:extLst>
           </p:cNvPr>
@@ -8841,7 +9433,7 @@
           <p:cNvPr id="121" name="图片 120">
             <a:extLst>
               <a:ext uri="{FF2B5EF4-FFF2-40B4-BE49-F238E27FC236}">
-                <a16:creationId xmlns="" xmlns:a16="http://schemas.microsoft.com/office/drawing/2014/main" id="{0609D585-79F7-49EB-9401-E0C267C6CF88}"/>
+                <a16:creationId xmlns:a16="http://schemas.microsoft.com/office/drawing/2014/main" xmlns="" id="{0609D585-79F7-49EB-9401-E0C267C6CF88}"/>
               </a:ext>
             </a:extLst>
           </p:cNvPr>
@@ -8877,7 +9469,7 @@
           <p:cNvPr id="122" name="图片 121">
             <a:extLst>
               <a:ext uri="{FF2B5EF4-FFF2-40B4-BE49-F238E27FC236}">
-                <a16:creationId xmlns="" xmlns:a16="http://schemas.microsoft.com/office/drawing/2014/main" id="{0609D585-79F7-49EB-9401-E0C267C6CF88}"/>
+                <a16:creationId xmlns:a16="http://schemas.microsoft.com/office/drawing/2014/main" xmlns="" id="{0609D585-79F7-49EB-9401-E0C267C6CF88}"/>
               </a:ext>
             </a:extLst>
           </p:cNvPr>
@@ -8913,7 +9505,7 @@
           <p:cNvPr id="123" name="图片 122">
             <a:extLst>
               <a:ext uri="{FF2B5EF4-FFF2-40B4-BE49-F238E27FC236}">
-                <a16:creationId xmlns="" xmlns:a16="http://schemas.microsoft.com/office/drawing/2014/main" id="{0609D585-79F7-49EB-9401-E0C267C6CF88}"/>
+                <a16:creationId xmlns:a16="http://schemas.microsoft.com/office/drawing/2014/main" xmlns="" id="{0609D585-79F7-49EB-9401-E0C267C6CF88}"/>
               </a:ext>
             </a:extLst>
           </p:cNvPr>
@@ -8949,7 +9541,7 @@
           <p:cNvPr id="124" name="图片 123">
             <a:extLst>
               <a:ext uri="{FF2B5EF4-FFF2-40B4-BE49-F238E27FC236}">
-                <a16:creationId xmlns="" xmlns:a16="http://schemas.microsoft.com/office/drawing/2014/main" id="{0609D585-79F7-49EB-9401-E0C267C6CF88}"/>
+                <a16:creationId xmlns:a16="http://schemas.microsoft.com/office/drawing/2014/main" xmlns="" id="{0609D585-79F7-49EB-9401-E0C267C6CF88}"/>
               </a:ext>
             </a:extLst>
           </p:cNvPr>
@@ -9033,9 +9625,7 @@
       <p:cxnSp>
         <p:nvCxnSpPr>
           <p:cNvPr id="126" name="直接连接符 125"/>
-          <p:cNvCxnSpPr>
-            <a:stCxn id="128" idx="1"/>
-          </p:cNvCxnSpPr>
+          <p:cNvCxnSpPr/>
           <p:nvPr/>
         </p:nvCxnSpPr>
         <p:spPr>
@@ -9150,63 +9740,6 @@
       </p:pic>
       <p:graphicFrame>
         <p:nvGraphicFramePr>
-          <p:cNvPr id="128" name="对象 127"/>
-          <p:cNvGraphicFramePr>
-            <a:graphicFrameLocks noChangeAspect="1"/>
-          </p:cNvGraphicFramePr>
-          <p:nvPr>
-            <p:extLst>
-              <p:ext uri="{D42A27DB-BD31-4B8C-83A1-F6EECF244321}">
-                <p14:modId xmlns:p14="http://schemas.microsoft.com/office/powerpoint/2010/main" val="3298240793"/>
-              </p:ext>
-            </p:extLst>
-          </p:nvPr>
-        </p:nvGraphicFramePr>
-        <p:xfrm>
-          <a:off x="1087006" y="1543293"/>
-          <a:ext cx="195470" cy="390940"/>
-        </p:xfrm>
-        <a:graphic>
-          <a:graphicData uri="http://schemas.openxmlformats.org/presentationml/2006/ole">
-            <mc:AlternateContent xmlns:mc="http://schemas.openxmlformats.org/markup-compatibility/2006">
-              <mc:Choice xmlns:v="urn:schemas-microsoft-com:vml" Requires="v">
-                <p:oleObj spid="_x0000_s3110" name="Equation" r:id="rId7" imgW="114120" imgH="228600" progId="Equation.DSMT4">
-                  <p:embed/>
-                </p:oleObj>
-              </mc:Choice>
-              <mc:Fallback>
-                <p:oleObj name="Equation" r:id="rId7" imgW="114120" imgH="228600" progId="Equation.DSMT4">
-                  <p:embed/>
-                  <p:pic>
-                    <p:nvPicPr>
-                      <p:cNvPr id="0" name=""/>
-                      <p:cNvPicPr/>
-                      <p:nvPr/>
-                    </p:nvPicPr>
-                    <p:blipFill>
-                      <a:blip r:embed="rId8"/>
-                      <a:stretch>
-                        <a:fillRect/>
-                      </a:stretch>
-                    </p:blipFill>
-                    <p:spPr>
-                      <a:xfrm>
-                        <a:off x="1087006" y="1543293"/>
-                        <a:ext cx="195470" cy="390940"/>
-                      </a:xfrm>
-                      <a:prstGeom prst="rect">
-                        <a:avLst/>
-                      </a:prstGeom>
-                    </p:spPr>
-                  </p:pic>
-                </p:oleObj>
-              </mc:Fallback>
-            </mc:AlternateContent>
-          </a:graphicData>
-        </a:graphic>
-      </p:graphicFrame>
-      <p:graphicFrame>
-        <p:nvGraphicFramePr>
           <p:cNvPr id="129" name="对象 128"/>
           <p:cNvGraphicFramePr>
             <a:graphicFrameLocks noChangeAspect="1"/>
@@ -9227,12 +9760,12 @@
           <a:graphicData uri="http://schemas.openxmlformats.org/presentationml/2006/ole">
             <mc:AlternateContent xmlns:mc="http://schemas.openxmlformats.org/markup-compatibility/2006">
               <mc:Choice xmlns:v="urn:schemas-microsoft-com:vml" Requires="v">
-                <p:oleObj spid="_x0000_s3111" name="Equation" r:id="rId9" imgW="164880" imgH="279360" progId="Equation.DSMT4">
+                <p:oleObj spid="_x0000_s3136" name="Equation" r:id="rId7" imgW="164880" imgH="279360" progId="Equation.DSMT4">
                   <p:embed/>
                 </p:oleObj>
               </mc:Choice>
               <mc:Fallback>
-                <p:oleObj name="Equation" r:id="rId9" imgW="164880" imgH="279360" progId="Equation.DSMT4">
+                <p:oleObj name="Equation" r:id="rId7" imgW="164880" imgH="279360" progId="Equation.DSMT4">
                   <p:embed/>
                   <p:pic>
                     <p:nvPicPr>
@@ -9243,7 +9776,7 @@
                       <p:nvPr/>
                     </p:nvPicPr>
                     <p:blipFill>
-                      <a:blip r:embed="rId10"/>
+                      <a:blip r:embed="rId8"/>
                       <a:srcRect/>
                       <a:stretch>
                         <a:fillRect/>
@@ -9310,12 +9843,12 @@
           <a:graphicData uri="http://schemas.openxmlformats.org/presentationml/2006/ole">
             <mc:AlternateContent xmlns:mc="http://schemas.openxmlformats.org/markup-compatibility/2006">
               <mc:Choice xmlns:v="urn:schemas-microsoft-com:vml" Requires="v">
-                <p:oleObj spid="_x0000_s3112" name="Equation" r:id="rId11" imgW="152280" imgH="279360" progId="Equation.DSMT4">
+                <p:oleObj spid="_x0000_s3137" name="Equation" r:id="rId9" imgW="152280" imgH="279360" progId="Equation.DSMT4">
                   <p:embed/>
                 </p:oleObj>
               </mc:Choice>
               <mc:Fallback>
-                <p:oleObj name="Equation" r:id="rId11" imgW="152280" imgH="279360" progId="Equation.DSMT4">
+                <p:oleObj name="Equation" r:id="rId9" imgW="152280" imgH="279360" progId="Equation.DSMT4">
                   <p:embed/>
                   <p:pic>
                     <p:nvPicPr>
@@ -9326,7 +9859,7 @@
                       <p:nvPr/>
                     </p:nvPicPr>
                     <p:blipFill>
-                      <a:blip r:embed="rId12"/>
+                      <a:blip r:embed="rId10"/>
                       <a:srcRect/>
                       <a:stretch>
                         <a:fillRect/>
@@ -9482,7 +10015,7 @@
           <p:cNvPr id="135" name="图片 134">
             <a:extLst>
               <a:ext uri="{FF2B5EF4-FFF2-40B4-BE49-F238E27FC236}">
-                <a16:creationId xmlns="" xmlns:a16="http://schemas.microsoft.com/office/drawing/2014/main" id="{0609D585-79F7-49EB-9401-E0C267C6CF88}"/>
+                <a16:creationId xmlns:a16="http://schemas.microsoft.com/office/drawing/2014/main" xmlns="" id="{0609D585-79F7-49EB-9401-E0C267C6CF88}"/>
               </a:ext>
             </a:extLst>
           </p:cNvPr>
@@ -9518,7 +10051,7 @@
           <p:cNvPr id="136" name="图片 135">
             <a:extLst>
               <a:ext uri="{FF2B5EF4-FFF2-40B4-BE49-F238E27FC236}">
-                <a16:creationId xmlns="" xmlns:a16="http://schemas.microsoft.com/office/drawing/2014/main" id="{0609D585-79F7-49EB-9401-E0C267C6CF88}"/>
+                <a16:creationId xmlns:a16="http://schemas.microsoft.com/office/drawing/2014/main" xmlns="" id="{0609D585-79F7-49EB-9401-E0C267C6CF88}"/>
               </a:ext>
             </a:extLst>
           </p:cNvPr>
@@ -9601,44 +10134,6 @@
       </p:sp>
       <p:sp>
         <p:nvSpPr>
-          <p:cNvPr id="166" name="TextBox 165"/>
-          <p:cNvSpPr txBox="1"/>
-          <p:nvPr/>
-        </p:nvSpPr>
-        <p:spPr>
-          <a:xfrm>
-            <a:off x="1202990" y="5064685"/>
-            <a:ext cx="937475" cy="369332"/>
-          </a:xfrm>
-          <a:prstGeom prst="rect">
-            <a:avLst/>
-          </a:prstGeom>
-          <a:noFill/>
-        </p:spPr>
-        <p:txBody>
-          <a:bodyPr wrap="square" rtlCol="0">
-            <a:spAutoFit/>
-          </a:bodyPr>
-          <a:lstStyle/>
-          <a:p>
-            <a:r>
-              <a:rPr lang="zh-CN" altLang="en-US" dirty="0" smtClean="0"/>
-              <a:t>（</a:t>
-            </a:r>
-            <a:r>
-              <a:rPr lang="en-US" altLang="zh-CN" dirty="0" smtClean="0"/>
-              <a:t>A</a:t>
-            </a:r>
-            <a:r>
-              <a:rPr lang="zh-CN" altLang="en-US" dirty="0" smtClean="0"/>
-              <a:t>）</a:t>
-            </a:r>
-            <a:endParaRPr lang="zh-CN" altLang="en-US" dirty="0"/>
-          </a:p>
-        </p:txBody>
-      </p:sp>
-      <p:sp>
-        <p:nvSpPr>
           <p:cNvPr id="3" name="右箭头 2"/>
           <p:cNvSpPr/>
           <p:nvPr/>
@@ -9682,7 +10177,7 @@
           <p:cNvPr id="86" name="图片 85">
             <a:extLst>
               <a:ext uri="{FF2B5EF4-FFF2-40B4-BE49-F238E27FC236}">
-                <a16:creationId xmlns="" xmlns:a16="http://schemas.microsoft.com/office/drawing/2014/main" id="{0609D585-79F7-49EB-9401-E0C267C6CF88}"/>
+                <a16:creationId xmlns:a16="http://schemas.microsoft.com/office/drawing/2014/main" xmlns="" id="{0609D585-79F7-49EB-9401-E0C267C6CF88}"/>
               </a:ext>
             </a:extLst>
           </p:cNvPr>
@@ -9968,7 +10463,7 @@
           <p:cNvPr id="92" name="图片 91">
             <a:extLst>
               <a:ext uri="{FF2B5EF4-FFF2-40B4-BE49-F238E27FC236}">
-                <a16:creationId xmlns="" xmlns:a16="http://schemas.microsoft.com/office/drawing/2014/main" id="{0609D585-79F7-49EB-9401-E0C267C6CF88}"/>
+                <a16:creationId xmlns:a16="http://schemas.microsoft.com/office/drawing/2014/main" xmlns="" id="{0609D585-79F7-49EB-9401-E0C267C6CF88}"/>
               </a:ext>
             </a:extLst>
           </p:cNvPr>
@@ -10004,7 +10499,7 @@
           <p:cNvPr id="93" name="图片 92">
             <a:extLst>
               <a:ext uri="{FF2B5EF4-FFF2-40B4-BE49-F238E27FC236}">
-                <a16:creationId xmlns="" xmlns:a16="http://schemas.microsoft.com/office/drawing/2014/main" id="{0609D585-79F7-49EB-9401-E0C267C6CF88}"/>
+                <a16:creationId xmlns:a16="http://schemas.microsoft.com/office/drawing/2014/main" xmlns="" id="{0609D585-79F7-49EB-9401-E0C267C6CF88}"/>
               </a:ext>
             </a:extLst>
           </p:cNvPr>
@@ -10040,7 +10535,7 @@
           <p:cNvPr id="94" name="图片 93">
             <a:extLst>
               <a:ext uri="{FF2B5EF4-FFF2-40B4-BE49-F238E27FC236}">
-                <a16:creationId xmlns="" xmlns:a16="http://schemas.microsoft.com/office/drawing/2014/main" id="{0609D585-79F7-49EB-9401-E0C267C6CF88}"/>
+                <a16:creationId xmlns:a16="http://schemas.microsoft.com/office/drawing/2014/main" xmlns="" id="{0609D585-79F7-49EB-9401-E0C267C6CF88}"/>
               </a:ext>
             </a:extLst>
           </p:cNvPr>
@@ -10076,7 +10571,7 @@
           <p:cNvPr id="95" name="图片 94">
             <a:extLst>
               <a:ext uri="{FF2B5EF4-FFF2-40B4-BE49-F238E27FC236}">
-                <a16:creationId xmlns="" xmlns:a16="http://schemas.microsoft.com/office/drawing/2014/main" id="{0609D585-79F7-49EB-9401-E0C267C6CF88}"/>
+                <a16:creationId xmlns:a16="http://schemas.microsoft.com/office/drawing/2014/main" xmlns="" id="{0609D585-79F7-49EB-9401-E0C267C6CF88}"/>
               </a:ext>
             </a:extLst>
           </p:cNvPr>
@@ -10295,12 +10790,12 @@
           <a:graphicData uri="http://schemas.openxmlformats.org/presentationml/2006/ole">
             <mc:AlternateContent xmlns:mc="http://schemas.openxmlformats.org/markup-compatibility/2006">
               <mc:Choice xmlns:v="urn:schemas-microsoft-com:vml" Requires="v">
-                <p:oleObj spid="_x0000_s3113" name="Equation" r:id="rId13" imgW="114120" imgH="228600" progId="Equation.DSMT4">
+                <p:oleObj spid="_x0000_s3138" name="Equation" r:id="rId11" imgW="114120" imgH="228600" progId="Equation.DSMT4">
                   <p:embed/>
                 </p:oleObj>
               </mc:Choice>
               <mc:Fallback>
-                <p:oleObj name="Equation" r:id="rId13" imgW="114120" imgH="228600" progId="Equation.DSMT4">
+                <p:oleObj name="Equation" r:id="rId11" imgW="114120" imgH="228600" progId="Equation.DSMT4">
                   <p:embed/>
                   <p:pic>
                     <p:nvPicPr>
@@ -10309,7 +10804,7 @@
                       <p:nvPr/>
                     </p:nvPicPr>
                     <p:blipFill>
-                      <a:blip r:embed="rId8"/>
+                      <a:blip r:embed="rId12"/>
                       <a:stretch>
                         <a:fillRect/>
                       </a:stretch>
@@ -10352,12 +10847,12 @@
           <a:graphicData uri="http://schemas.openxmlformats.org/presentationml/2006/ole">
             <mc:AlternateContent xmlns:mc="http://schemas.openxmlformats.org/markup-compatibility/2006">
               <mc:Choice xmlns:v="urn:schemas-microsoft-com:vml" Requires="v">
-                <p:oleObj spid="_x0000_s3114" name="Equation" r:id="rId14" imgW="164880" imgH="279360" progId="Equation.DSMT4">
+                <p:oleObj spid="_x0000_s3139" name="Equation" r:id="rId13" imgW="164880" imgH="279360" progId="Equation.DSMT4">
                   <p:embed/>
                 </p:oleObj>
               </mc:Choice>
               <mc:Fallback>
-                <p:oleObj name="Equation" r:id="rId14" imgW="164880" imgH="279360" progId="Equation.DSMT4">
+                <p:oleObj name="Equation" r:id="rId13" imgW="164880" imgH="279360" progId="Equation.DSMT4">
                   <p:embed/>
                   <p:pic>
                     <p:nvPicPr>
@@ -10368,7 +10863,7 @@
                       <p:nvPr/>
                     </p:nvPicPr>
                     <p:blipFill>
-                      <a:blip r:embed="rId10"/>
+                      <a:blip r:embed="rId8"/>
                       <a:srcRect/>
                       <a:stretch>
                         <a:fillRect/>
@@ -10435,12 +10930,12 @@
           <a:graphicData uri="http://schemas.openxmlformats.org/presentationml/2006/ole">
             <mc:AlternateContent xmlns:mc="http://schemas.openxmlformats.org/markup-compatibility/2006">
               <mc:Choice xmlns:v="urn:schemas-microsoft-com:vml" Requires="v">
-                <p:oleObj spid="_x0000_s3115" name="Equation" r:id="rId15" imgW="152280" imgH="279360" progId="Equation.DSMT4">
+                <p:oleObj spid="_x0000_s3140" name="Equation" r:id="rId14" imgW="152280" imgH="279360" progId="Equation.DSMT4">
                   <p:embed/>
                 </p:oleObj>
               </mc:Choice>
               <mc:Fallback>
-                <p:oleObj name="Equation" r:id="rId15" imgW="152280" imgH="279360" progId="Equation.DSMT4">
+                <p:oleObj name="Equation" r:id="rId14" imgW="152280" imgH="279360" progId="Equation.DSMT4">
                   <p:embed/>
                   <p:pic>
                     <p:nvPicPr>
@@ -10451,7 +10946,7 @@
                       <p:nvPr/>
                     </p:nvPicPr>
                     <p:blipFill>
-                      <a:blip r:embed="rId12"/>
+                      <a:blip r:embed="rId10"/>
                       <a:srcRect/>
                       <a:stretch>
                         <a:fillRect/>
@@ -10607,7 +11102,7 @@
           <p:cNvPr id="106" name="图片 105">
             <a:extLst>
               <a:ext uri="{FF2B5EF4-FFF2-40B4-BE49-F238E27FC236}">
-                <a16:creationId xmlns="" xmlns:a16="http://schemas.microsoft.com/office/drawing/2014/main" id="{0609D585-79F7-49EB-9401-E0C267C6CF88}"/>
+                <a16:creationId xmlns:a16="http://schemas.microsoft.com/office/drawing/2014/main" xmlns="" id="{0609D585-79F7-49EB-9401-E0C267C6CF88}"/>
               </a:ext>
             </a:extLst>
           </p:cNvPr>
@@ -10643,7 +11138,7 @@
           <p:cNvPr id="107" name="图片 106">
             <a:extLst>
               <a:ext uri="{FF2B5EF4-FFF2-40B4-BE49-F238E27FC236}">
-                <a16:creationId xmlns="" xmlns:a16="http://schemas.microsoft.com/office/drawing/2014/main" id="{0609D585-79F7-49EB-9401-E0C267C6CF88}"/>
+                <a16:creationId xmlns:a16="http://schemas.microsoft.com/office/drawing/2014/main" xmlns="" id="{0609D585-79F7-49EB-9401-E0C267C6CF88}"/>
               </a:ext>
             </a:extLst>
           </p:cNvPr>
@@ -10724,50 +11219,12 @@
           </a:p>
         </p:txBody>
       </p:sp>
-      <p:sp>
-        <p:nvSpPr>
-          <p:cNvPr id="109" name="TextBox 108"/>
-          <p:cNvSpPr txBox="1"/>
-          <p:nvPr/>
-        </p:nvSpPr>
-        <p:spPr>
-          <a:xfrm>
-            <a:off x="5566199" y="4970154"/>
-            <a:ext cx="937475" cy="369332"/>
-          </a:xfrm>
-          <a:prstGeom prst="rect">
-            <a:avLst/>
-          </a:prstGeom>
-          <a:noFill/>
-        </p:spPr>
-        <p:txBody>
-          <a:bodyPr wrap="square" rtlCol="0">
-            <a:spAutoFit/>
-          </a:bodyPr>
-          <a:lstStyle/>
-          <a:p>
-            <a:r>
-              <a:rPr lang="zh-CN" altLang="en-US" dirty="0" smtClean="0"/>
-              <a:t>（</a:t>
-            </a:r>
-            <a:r>
-              <a:rPr lang="en-US" altLang="zh-CN" dirty="0"/>
-              <a:t>B</a:t>
-            </a:r>
-            <a:r>
-              <a:rPr lang="zh-CN" altLang="en-US" dirty="0" smtClean="0"/>
-              <a:t>）</a:t>
-            </a:r>
-            <a:endParaRPr lang="zh-CN" altLang="en-US" dirty="0"/>
-          </a:p>
-        </p:txBody>
-      </p:sp>
       <p:pic>
         <p:nvPicPr>
           <p:cNvPr id="110" name="图片 109">
             <a:extLst>
               <a:ext uri="{FF2B5EF4-FFF2-40B4-BE49-F238E27FC236}">
-                <a16:creationId xmlns="" xmlns:a16="http://schemas.microsoft.com/office/drawing/2014/main" id="{0609D585-79F7-49EB-9401-E0C267C6CF88}"/>
+                <a16:creationId xmlns:a16="http://schemas.microsoft.com/office/drawing/2014/main" xmlns="" id="{0609D585-79F7-49EB-9401-E0C267C6CF88}"/>
               </a:ext>
             </a:extLst>
           </p:cNvPr>
@@ -10798,6 +11255,95 @@
           </a:prstGeom>
         </p:spPr>
       </p:pic>
+      <p:graphicFrame>
+        <p:nvGraphicFramePr>
+          <p:cNvPr id="2" name="对象 1"/>
+          <p:cNvGraphicFramePr>
+            <a:graphicFrameLocks noChangeAspect="1"/>
+          </p:cNvGraphicFramePr>
+          <p:nvPr>
+            <p:extLst>
+              <p:ext uri="{D42A27DB-BD31-4B8C-83A1-F6EECF244321}">
+                <p14:modId xmlns:p14="http://schemas.microsoft.com/office/powerpoint/2010/main" val="4123352858"/>
+              </p:ext>
+            </p:extLst>
+          </p:nvPr>
+        </p:nvGraphicFramePr>
+        <p:xfrm>
+          <a:off x="1358820" y="1320834"/>
+          <a:ext cx="196850" cy="390525"/>
+        </p:xfrm>
+        <a:graphic>
+          <a:graphicData uri="http://schemas.openxmlformats.org/presentationml/2006/ole">
+            <mc:AlternateContent xmlns:mc="http://schemas.openxmlformats.org/markup-compatibility/2006">
+              <mc:Choice xmlns:v="urn:schemas-microsoft-com:vml" Requires="v">
+                <p:oleObj spid="_x0000_s3141" name="Equation" r:id="rId15" imgW="114120" imgH="228600" progId="Equation.DSMT4">
+                  <p:embed/>
+                </p:oleObj>
+              </mc:Choice>
+              <mc:Fallback>
+                <p:oleObj name="Equation" r:id="rId15" imgW="114120" imgH="228600" progId="Equation.DSMT4">
+                  <p:embed/>
+                  <p:pic>
+                    <p:nvPicPr>
+                      <p:cNvPr id="0" name="对象 98"/>
+                      <p:cNvPicPr>
+                        <a:picLocks noChangeAspect="1" noChangeArrowheads="1"/>
+                      </p:cNvPicPr>
+                      <p:nvPr/>
+                    </p:nvPicPr>
+                    <p:blipFill>
+                      <a:blip r:embed="rId16">
+                        <a:extLst>
+                          <a:ext uri="{28A0092B-C50C-407E-A947-70E740481C1C}">
+                            <a14:useLocalDpi xmlns:a14="http://schemas.microsoft.com/office/drawing/2010/main" val="0"/>
+                          </a:ext>
+                        </a:extLst>
+                      </a:blip>
+                      <a:srcRect/>
+                      <a:stretch>
+                        <a:fillRect/>
+                      </a:stretch>
+                    </p:blipFill>
+                    <p:spPr bwMode="auto">
+                      <a:xfrm>
+                        <a:off x="1358820" y="1320834"/>
+                        <a:ext cx="196850" cy="390525"/>
+                      </a:xfrm>
+                      <a:prstGeom prst="rect">
+                        <a:avLst/>
+                      </a:prstGeom>
+                      <a:noFill/>
+                      <a:ln>
+                        <a:noFill/>
+                      </a:ln>
+                      <a:extLst>
+                        <a:ext uri="{909E8E84-426E-40DD-AFC4-6F175D3DCCD1}">
+                          <a14:hiddenFill xmlns:a14="http://schemas.microsoft.com/office/drawing/2010/main">
+                            <a:solidFill>
+                              <a:srgbClr val="FFFFFF"/>
+                            </a:solidFill>
+                          </a14:hiddenFill>
+                        </a:ext>
+                        <a:ext uri="{91240B29-F687-4F45-9708-019B960494DF}">
+                          <a14:hiddenLine xmlns:a14="http://schemas.microsoft.com/office/drawing/2010/main" w="9525">
+                            <a:solidFill>
+                              <a:srgbClr val="000000"/>
+                            </a:solidFill>
+                            <a:miter lim="800000"/>
+                            <a:headEnd/>
+                            <a:tailEnd/>
+                          </a14:hiddenLine>
+                        </a:ext>
+                      </a:extLst>
+                    </p:spPr>
+                  </p:pic>
+                </p:oleObj>
+              </mc:Fallback>
+            </mc:AlternateContent>
+          </a:graphicData>
+        </a:graphic>
+      </p:graphicFrame>
     </p:spTree>
     <p:extLst>
       <p:ext uri="{BB962C8B-B14F-4D97-AF65-F5344CB8AC3E}">
@@ -10996,7 +11542,7 @@
           <p:cNvPr id="48" name="等腰三角形 47">
             <a:extLst>
               <a:ext uri="{FF2B5EF4-FFF2-40B4-BE49-F238E27FC236}">
-                <a16:creationId xmlns="" xmlns:a16="http://schemas.microsoft.com/office/drawing/2014/main" id="{66464D25-8E46-4601-80C9-5885D762F899}"/>
+                <a16:creationId xmlns:a16="http://schemas.microsoft.com/office/drawing/2014/main" xmlns="" id="{66464D25-8E46-4601-80C9-5885D762F899}"/>
               </a:ext>
             </a:extLst>
           </p:cNvPr>
@@ -11042,7 +11588,7 @@
           <p:cNvPr id="49" name="椭圆 48">
             <a:extLst>
               <a:ext uri="{FF2B5EF4-FFF2-40B4-BE49-F238E27FC236}">
-                <a16:creationId xmlns="" xmlns:a16="http://schemas.microsoft.com/office/drawing/2014/main" id="{2110C5B9-40ED-41E8-B971-DB04DC270140}"/>
+                <a16:creationId xmlns:a16="http://schemas.microsoft.com/office/drawing/2014/main" xmlns="" id="{2110C5B9-40ED-41E8-B971-DB04DC270140}"/>
               </a:ext>
             </a:extLst>
           </p:cNvPr>
@@ -11088,7 +11634,7 @@
           <p:cNvPr id="50" name="椭圆 49">
             <a:extLst>
               <a:ext uri="{FF2B5EF4-FFF2-40B4-BE49-F238E27FC236}">
-                <a16:creationId xmlns="" xmlns:a16="http://schemas.microsoft.com/office/drawing/2014/main" id="{CDF01CFF-F115-4427-9730-D85BBC2E52E1}"/>
+                <a16:creationId xmlns:a16="http://schemas.microsoft.com/office/drawing/2014/main" xmlns="" id="{CDF01CFF-F115-4427-9730-D85BBC2E52E1}"/>
               </a:ext>
             </a:extLst>
           </p:cNvPr>
@@ -11134,7 +11680,7 @@
           <p:cNvPr id="51" name="椭圆 50">
             <a:extLst>
               <a:ext uri="{FF2B5EF4-FFF2-40B4-BE49-F238E27FC236}">
-                <a16:creationId xmlns="" xmlns:a16="http://schemas.microsoft.com/office/drawing/2014/main" id="{C04B508C-F244-4740-9C7A-04C17A516BD6}"/>
+                <a16:creationId xmlns:a16="http://schemas.microsoft.com/office/drawing/2014/main" xmlns="" id="{C04B508C-F244-4740-9C7A-04C17A516BD6}"/>
               </a:ext>
             </a:extLst>
           </p:cNvPr>
@@ -11180,7 +11726,7 @@
           <p:cNvPr id="52" name="椭圆 51">
             <a:extLst>
               <a:ext uri="{FF2B5EF4-FFF2-40B4-BE49-F238E27FC236}">
-                <a16:creationId xmlns="" xmlns:a16="http://schemas.microsoft.com/office/drawing/2014/main" id="{2E7A741E-13B2-4A28-A71B-8DDD8A2F7B1F}"/>
+                <a16:creationId xmlns:a16="http://schemas.microsoft.com/office/drawing/2014/main" xmlns="" id="{2E7A741E-13B2-4A28-A71B-8DDD8A2F7B1F}"/>
               </a:ext>
             </a:extLst>
           </p:cNvPr>
@@ -11226,7 +11772,7 @@
           <p:cNvPr id="53" name="椭圆 52">
             <a:extLst>
               <a:ext uri="{FF2B5EF4-FFF2-40B4-BE49-F238E27FC236}">
-                <a16:creationId xmlns="" xmlns:a16="http://schemas.microsoft.com/office/drawing/2014/main" id="{E021EC81-7EF0-43D9-8B55-4C14B1931DB6}"/>
+                <a16:creationId xmlns:a16="http://schemas.microsoft.com/office/drawing/2014/main" xmlns="" id="{E021EC81-7EF0-43D9-8B55-4C14B1931DB6}"/>
               </a:ext>
             </a:extLst>
           </p:cNvPr>
@@ -11272,7 +11818,7 @@
           <p:cNvPr id="54" name="椭圆 53">
             <a:extLst>
               <a:ext uri="{FF2B5EF4-FFF2-40B4-BE49-F238E27FC236}">
-                <a16:creationId xmlns="" xmlns:a16="http://schemas.microsoft.com/office/drawing/2014/main" id="{36807714-99B6-4956-AD69-B2DE757BF99D}"/>
+                <a16:creationId xmlns:a16="http://schemas.microsoft.com/office/drawing/2014/main" xmlns="" id="{36807714-99B6-4956-AD69-B2DE757BF99D}"/>
               </a:ext>
             </a:extLst>
           </p:cNvPr>
@@ -11318,7 +11864,7 @@
           <p:cNvPr id="55" name="椭圆 54">
             <a:extLst>
               <a:ext uri="{FF2B5EF4-FFF2-40B4-BE49-F238E27FC236}">
-                <a16:creationId xmlns="" xmlns:a16="http://schemas.microsoft.com/office/drawing/2014/main" id="{C5266772-76AB-4CAF-B3AD-5479B34F5B2C}"/>
+                <a16:creationId xmlns:a16="http://schemas.microsoft.com/office/drawing/2014/main" xmlns="" id="{C5266772-76AB-4CAF-B3AD-5479B34F5B2C}"/>
               </a:ext>
             </a:extLst>
           </p:cNvPr>
@@ -11364,7 +11910,7 @@
           <p:cNvPr id="56" name="椭圆 55">
             <a:extLst>
               <a:ext uri="{FF2B5EF4-FFF2-40B4-BE49-F238E27FC236}">
-                <a16:creationId xmlns="" xmlns:a16="http://schemas.microsoft.com/office/drawing/2014/main" id="{836F52CD-83E8-4C34-9CA0-73CB7123BE53}"/>
+                <a16:creationId xmlns:a16="http://schemas.microsoft.com/office/drawing/2014/main" xmlns="" id="{836F52CD-83E8-4C34-9CA0-73CB7123BE53}"/>
               </a:ext>
             </a:extLst>
           </p:cNvPr>
@@ -11410,7 +11956,7 @@
           <p:cNvPr id="57" name="等腰三角形 56">
             <a:extLst>
               <a:ext uri="{FF2B5EF4-FFF2-40B4-BE49-F238E27FC236}">
-                <a16:creationId xmlns="" xmlns:a16="http://schemas.microsoft.com/office/drawing/2014/main" id="{86444539-4D2F-4526-85B2-48B1601D5FDB}"/>
+                <a16:creationId xmlns:a16="http://schemas.microsoft.com/office/drawing/2014/main" xmlns="" id="{86444539-4D2F-4526-85B2-48B1601D5FDB}"/>
               </a:ext>
             </a:extLst>
           </p:cNvPr>
@@ -11456,7 +12002,7 @@
           <p:cNvPr id="58" name="等腰三角形 57">
             <a:extLst>
               <a:ext uri="{FF2B5EF4-FFF2-40B4-BE49-F238E27FC236}">
-                <a16:creationId xmlns="" xmlns:a16="http://schemas.microsoft.com/office/drawing/2014/main" id="{73BE264D-E1F0-4E81-B9C2-F43DA19E7421}"/>
+                <a16:creationId xmlns:a16="http://schemas.microsoft.com/office/drawing/2014/main" xmlns="" id="{73BE264D-E1F0-4E81-B9C2-F43DA19E7421}"/>
               </a:ext>
             </a:extLst>
           </p:cNvPr>
@@ -11502,7 +12048,7 @@
           <p:cNvPr id="59" name="等腰三角形 58">
             <a:extLst>
               <a:ext uri="{FF2B5EF4-FFF2-40B4-BE49-F238E27FC236}">
-                <a16:creationId xmlns="" xmlns:a16="http://schemas.microsoft.com/office/drawing/2014/main" id="{3B24AF82-1035-4353-8260-E3937D9E1EA7}"/>
+                <a16:creationId xmlns:a16="http://schemas.microsoft.com/office/drawing/2014/main" xmlns="" id="{3B24AF82-1035-4353-8260-E3937D9E1EA7}"/>
               </a:ext>
             </a:extLst>
           </p:cNvPr>
@@ -11548,7 +12094,7 @@
           <p:cNvPr id="60" name="等腰三角形 59">
             <a:extLst>
               <a:ext uri="{FF2B5EF4-FFF2-40B4-BE49-F238E27FC236}">
-                <a16:creationId xmlns="" xmlns:a16="http://schemas.microsoft.com/office/drawing/2014/main" id="{8BF33366-332D-4866-87A2-5940683E8B00}"/>
+                <a16:creationId xmlns:a16="http://schemas.microsoft.com/office/drawing/2014/main" xmlns="" id="{8BF33366-332D-4866-87A2-5940683E8B00}"/>
               </a:ext>
             </a:extLst>
           </p:cNvPr>
@@ -11594,7 +12140,7 @@
           <p:cNvPr id="61" name="等腰三角形 60">
             <a:extLst>
               <a:ext uri="{FF2B5EF4-FFF2-40B4-BE49-F238E27FC236}">
-                <a16:creationId xmlns="" xmlns:a16="http://schemas.microsoft.com/office/drawing/2014/main" id="{C8F2E420-0FFD-4894-89B6-113B5DAAA31E}"/>
+                <a16:creationId xmlns:a16="http://schemas.microsoft.com/office/drawing/2014/main" xmlns="" id="{C8F2E420-0FFD-4894-89B6-113B5DAAA31E}"/>
               </a:ext>
             </a:extLst>
           </p:cNvPr>
@@ -11640,7 +12186,7 @@
           <p:cNvPr id="62" name="等腰三角形 61">
             <a:extLst>
               <a:ext uri="{FF2B5EF4-FFF2-40B4-BE49-F238E27FC236}">
-                <a16:creationId xmlns="" xmlns:a16="http://schemas.microsoft.com/office/drawing/2014/main" id="{3F31AC56-24E0-41F8-A13E-6AEB24A62E5D}"/>
+                <a16:creationId xmlns:a16="http://schemas.microsoft.com/office/drawing/2014/main" xmlns="" id="{3F31AC56-24E0-41F8-A13E-6AEB24A62E5D}"/>
               </a:ext>
             </a:extLst>
           </p:cNvPr>
@@ -11686,7 +12232,7 @@
           <p:cNvPr id="63" name="等腰三角形 62">
             <a:extLst>
               <a:ext uri="{FF2B5EF4-FFF2-40B4-BE49-F238E27FC236}">
-                <a16:creationId xmlns="" xmlns:a16="http://schemas.microsoft.com/office/drawing/2014/main" id="{58BCA2B3-3410-4B6C-A343-B96FF9ED893C}"/>
+                <a16:creationId xmlns:a16="http://schemas.microsoft.com/office/drawing/2014/main" xmlns="" id="{58BCA2B3-3410-4B6C-A343-B96FF9ED893C}"/>
               </a:ext>
             </a:extLst>
           </p:cNvPr>
@@ -11732,7 +12278,7 @@
           <p:cNvPr id="64" name="等腰三角形 63">
             <a:extLst>
               <a:ext uri="{FF2B5EF4-FFF2-40B4-BE49-F238E27FC236}">
-                <a16:creationId xmlns="" xmlns:a16="http://schemas.microsoft.com/office/drawing/2014/main" id="{6D76CDAD-B156-4488-8BC6-F6816C1DEF41}"/>
+                <a16:creationId xmlns:a16="http://schemas.microsoft.com/office/drawing/2014/main" xmlns="" id="{6D76CDAD-B156-4488-8BC6-F6816C1DEF41}"/>
               </a:ext>
             </a:extLst>
           </p:cNvPr>
@@ -11778,7 +12324,7 @@
           <p:cNvPr id="65" name="等腰三角形 64">
             <a:extLst>
               <a:ext uri="{FF2B5EF4-FFF2-40B4-BE49-F238E27FC236}">
-                <a16:creationId xmlns="" xmlns:a16="http://schemas.microsoft.com/office/drawing/2014/main" id="{46F6DAB8-9CEC-4107-B2BC-27F43F7F4F12}"/>
+                <a16:creationId xmlns:a16="http://schemas.microsoft.com/office/drawing/2014/main" xmlns="" id="{46F6DAB8-9CEC-4107-B2BC-27F43F7F4F12}"/>
               </a:ext>
             </a:extLst>
           </p:cNvPr>
@@ -11824,7 +12370,7 @@
           <p:cNvPr id="66" name="等腰三角形 65">
             <a:extLst>
               <a:ext uri="{FF2B5EF4-FFF2-40B4-BE49-F238E27FC236}">
-                <a16:creationId xmlns="" xmlns:a16="http://schemas.microsoft.com/office/drawing/2014/main" id="{003A7EBB-35BE-41DE-BCFA-74FF0A4004A3}"/>
+                <a16:creationId xmlns:a16="http://schemas.microsoft.com/office/drawing/2014/main" xmlns="" id="{003A7EBB-35BE-41DE-BCFA-74FF0A4004A3}"/>
               </a:ext>
             </a:extLst>
           </p:cNvPr>
@@ -11870,7 +12416,7 @@
           <p:cNvPr id="67" name="等腰三角形 66">
             <a:extLst>
               <a:ext uri="{FF2B5EF4-FFF2-40B4-BE49-F238E27FC236}">
-                <a16:creationId xmlns="" xmlns:a16="http://schemas.microsoft.com/office/drawing/2014/main" id="{30501B3A-C669-45F9-8826-DDB24986CEFE}"/>
+                <a16:creationId xmlns:a16="http://schemas.microsoft.com/office/drawing/2014/main" xmlns="" id="{30501B3A-C669-45F9-8826-DDB24986CEFE}"/>
               </a:ext>
             </a:extLst>
           </p:cNvPr>
@@ -11916,7 +12462,7 @@
           <p:cNvPr id="68" name="等腰三角形 67">
             <a:extLst>
               <a:ext uri="{FF2B5EF4-FFF2-40B4-BE49-F238E27FC236}">
-                <a16:creationId xmlns="" xmlns:a16="http://schemas.microsoft.com/office/drawing/2014/main" id="{197B7E71-0E14-4606-BEE6-11A8D6D503C7}"/>
+                <a16:creationId xmlns:a16="http://schemas.microsoft.com/office/drawing/2014/main" xmlns="" id="{197B7E71-0E14-4606-BEE6-11A8D6D503C7}"/>
               </a:ext>
             </a:extLst>
           </p:cNvPr>
@@ -11962,7 +12508,7 @@
           <p:cNvPr id="69" name="椭圆 68">
             <a:extLst>
               <a:ext uri="{FF2B5EF4-FFF2-40B4-BE49-F238E27FC236}">
-                <a16:creationId xmlns="" xmlns:a16="http://schemas.microsoft.com/office/drawing/2014/main" id="{A79857D0-C451-4017-86ED-9F8F0D69D1CF}"/>
+                <a16:creationId xmlns:a16="http://schemas.microsoft.com/office/drawing/2014/main" xmlns="" id="{A79857D0-C451-4017-86ED-9F8F0D69D1CF}"/>
               </a:ext>
             </a:extLst>
           </p:cNvPr>
@@ -12008,7 +12554,7 @@
           <p:cNvPr id="72" name="椭圆 71">
             <a:extLst>
               <a:ext uri="{FF2B5EF4-FFF2-40B4-BE49-F238E27FC236}">
-                <a16:creationId xmlns="" xmlns:a16="http://schemas.microsoft.com/office/drawing/2014/main" id="{6973FFE3-621A-4DE7-8C14-179C83F924C8}"/>
+                <a16:creationId xmlns:a16="http://schemas.microsoft.com/office/drawing/2014/main" xmlns="" id="{6973FFE3-621A-4DE7-8C14-179C83F924C8}"/>
               </a:ext>
             </a:extLst>
           </p:cNvPr>
@@ -12054,7 +12600,7 @@
           <p:cNvPr id="74" name="椭圆 73">
             <a:extLst>
               <a:ext uri="{FF2B5EF4-FFF2-40B4-BE49-F238E27FC236}">
-                <a16:creationId xmlns="" xmlns:a16="http://schemas.microsoft.com/office/drawing/2014/main" id="{3F872140-1B73-4BFA-BBD1-95AA4C0F6CBF}"/>
+                <a16:creationId xmlns:a16="http://schemas.microsoft.com/office/drawing/2014/main" xmlns="" id="{3F872140-1B73-4BFA-BBD1-95AA4C0F6CBF}"/>
               </a:ext>
             </a:extLst>
           </p:cNvPr>
@@ -12100,7 +12646,7 @@
           <p:cNvPr id="75" name="椭圆 74">
             <a:extLst>
               <a:ext uri="{FF2B5EF4-FFF2-40B4-BE49-F238E27FC236}">
-                <a16:creationId xmlns="" xmlns:a16="http://schemas.microsoft.com/office/drawing/2014/main" id="{E967B2ED-D1C5-4467-9A3A-B07450F47F94}"/>
+                <a16:creationId xmlns:a16="http://schemas.microsoft.com/office/drawing/2014/main" xmlns="" id="{E967B2ED-D1C5-4467-9A3A-B07450F47F94}"/>
               </a:ext>
             </a:extLst>
           </p:cNvPr>
@@ -12146,7 +12692,7 @@
           <p:cNvPr id="76" name="文本框 1">
             <a:extLst>
               <a:ext uri="{FF2B5EF4-FFF2-40B4-BE49-F238E27FC236}">
-                <a16:creationId xmlns="" xmlns:a16="http://schemas.microsoft.com/office/drawing/2014/main" id="{B49DCA13-5CF2-484D-B2C3-EFE7EA8C26C0}"/>
+                <a16:creationId xmlns:a16="http://schemas.microsoft.com/office/drawing/2014/main" xmlns="" id="{B49DCA13-5CF2-484D-B2C3-EFE7EA8C26C0}"/>
               </a:ext>
             </a:extLst>
           </p:cNvPr>
@@ -12182,7 +12728,7 @@
           <p:cNvPr id="77" name="文本框 39">
             <a:extLst>
               <a:ext uri="{FF2B5EF4-FFF2-40B4-BE49-F238E27FC236}">
-                <a16:creationId xmlns="" xmlns:a16="http://schemas.microsoft.com/office/drawing/2014/main" id="{F1794106-401A-449B-953B-5EC21E2FD154}"/>
+                <a16:creationId xmlns:a16="http://schemas.microsoft.com/office/drawing/2014/main" xmlns="" id="{F1794106-401A-449B-953B-5EC21E2FD154}"/>
               </a:ext>
             </a:extLst>
           </p:cNvPr>
@@ -12218,7 +12764,7 @@
           <p:cNvPr id="80" name="椭圆 79">
             <a:extLst>
               <a:ext uri="{FF2B5EF4-FFF2-40B4-BE49-F238E27FC236}">
-                <a16:creationId xmlns="" xmlns:a16="http://schemas.microsoft.com/office/drawing/2014/main" id="{CDF01CFF-F115-4427-9730-D85BBC2E52E1}"/>
+                <a16:creationId xmlns:a16="http://schemas.microsoft.com/office/drawing/2014/main" xmlns="" id="{CDF01CFF-F115-4427-9730-D85BBC2E52E1}"/>
               </a:ext>
             </a:extLst>
           </p:cNvPr>
@@ -12264,7 +12810,7 @@
           <p:cNvPr id="81" name="等腰三角形 80">
             <a:extLst>
               <a:ext uri="{FF2B5EF4-FFF2-40B4-BE49-F238E27FC236}">
-                <a16:creationId xmlns="" xmlns:a16="http://schemas.microsoft.com/office/drawing/2014/main" id="{73BE264D-E1F0-4E81-B9C2-F43DA19E7421}"/>
+                <a16:creationId xmlns:a16="http://schemas.microsoft.com/office/drawing/2014/main" xmlns="" id="{73BE264D-E1F0-4E81-B9C2-F43DA19E7421}"/>
               </a:ext>
             </a:extLst>
           </p:cNvPr>
@@ -12310,7 +12856,7 @@
           <p:cNvPr id="82" name="等腰三角形 81">
             <a:extLst>
               <a:ext uri="{FF2B5EF4-FFF2-40B4-BE49-F238E27FC236}">
-                <a16:creationId xmlns="" xmlns:a16="http://schemas.microsoft.com/office/drawing/2014/main" id="{73BE264D-E1F0-4E81-B9C2-F43DA19E7421}"/>
+                <a16:creationId xmlns:a16="http://schemas.microsoft.com/office/drawing/2014/main" xmlns="" id="{73BE264D-E1F0-4E81-B9C2-F43DA19E7421}"/>
               </a:ext>
             </a:extLst>
           </p:cNvPr>
@@ -12356,7 +12902,7 @@
           <p:cNvPr id="83" name="椭圆 82">
             <a:extLst>
               <a:ext uri="{FF2B5EF4-FFF2-40B4-BE49-F238E27FC236}">
-                <a16:creationId xmlns="" xmlns:a16="http://schemas.microsoft.com/office/drawing/2014/main" id="{836F52CD-83E8-4C34-9CA0-73CB7123BE53}"/>
+                <a16:creationId xmlns:a16="http://schemas.microsoft.com/office/drawing/2014/main" xmlns="" id="{836F52CD-83E8-4C34-9CA0-73CB7123BE53}"/>
               </a:ext>
             </a:extLst>
           </p:cNvPr>
@@ -12402,7 +12948,7 @@
           <p:cNvPr id="86" name="等腰三角形 85">
             <a:extLst>
               <a:ext uri="{FF2B5EF4-FFF2-40B4-BE49-F238E27FC236}">
-                <a16:creationId xmlns="" xmlns:a16="http://schemas.microsoft.com/office/drawing/2014/main" id="{3B24AF82-1035-4353-8260-E3937D9E1EA7}"/>
+                <a16:creationId xmlns:a16="http://schemas.microsoft.com/office/drawing/2014/main" xmlns="" id="{3B24AF82-1035-4353-8260-E3937D9E1EA7}"/>
               </a:ext>
             </a:extLst>
           </p:cNvPr>
@@ -12448,7 +12994,7 @@
           <p:cNvPr id="88" name="椭圆 87">
             <a:extLst>
               <a:ext uri="{FF2B5EF4-FFF2-40B4-BE49-F238E27FC236}">
-                <a16:creationId xmlns="" xmlns:a16="http://schemas.microsoft.com/office/drawing/2014/main" id="{836F52CD-83E8-4C34-9CA0-73CB7123BE53}"/>
+                <a16:creationId xmlns:a16="http://schemas.microsoft.com/office/drawing/2014/main" xmlns="" id="{836F52CD-83E8-4C34-9CA0-73CB7123BE53}"/>
               </a:ext>
             </a:extLst>
           </p:cNvPr>
@@ -12494,7 +13040,7 @@
           <p:cNvPr id="89" name="等腰三角形 88">
             <a:extLst>
               <a:ext uri="{FF2B5EF4-FFF2-40B4-BE49-F238E27FC236}">
-                <a16:creationId xmlns="" xmlns:a16="http://schemas.microsoft.com/office/drawing/2014/main" id="{58BCA2B3-3410-4B6C-A343-B96FF9ED893C}"/>
+                <a16:creationId xmlns:a16="http://schemas.microsoft.com/office/drawing/2014/main" xmlns="" id="{58BCA2B3-3410-4B6C-A343-B96FF9ED893C}"/>
               </a:ext>
             </a:extLst>
           </p:cNvPr>
@@ -12540,7 +13086,7 @@
           <p:cNvPr id="90" name="等腰三角形 89">
             <a:extLst>
               <a:ext uri="{FF2B5EF4-FFF2-40B4-BE49-F238E27FC236}">
-                <a16:creationId xmlns="" xmlns:a16="http://schemas.microsoft.com/office/drawing/2014/main" id="{58BCA2B3-3410-4B6C-A343-B96FF9ED893C}"/>
+                <a16:creationId xmlns:a16="http://schemas.microsoft.com/office/drawing/2014/main" xmlns="" id="{58BCA2B3-3410-4B6C-A343-B96FF9ED893C}"/>
               </a:ext>
             </a:extLst>
           </p:cNvPr>
@@ -12703,7 +13249,7 @@
           <p:cNvPr id="91" name="等腰三角形 90">
             <a:extLst>
               <a:ext uri="{FF2B5EF4-FFF2-40B4-BE49-F238E27FC236}">
-                <a16:creationId xmlns="" xmlns:a16="http://schemas.microsoft.com/office/drawing/2014/main" id="{C8F2E420-0FFD-4894-89B6-113B5DAAA31E}"/>
+                <a16:creationId xmlns:a16="http://schemas.microsoft.com/office/drawing/2014/main" xmlns="" id="{C8F2E420-0FFD-4894-89B6-113B5DAAA31E}"/>
               </a:ext>
             </a:extLst>
           </p:cNvPr>
@@ -13256,7 +13802,7 @@
           <p:cNvPr id="10" name="图片 9">
             <a:extLst>
               <a:ext uri="{FF2B5EF4-FFF2-40B4-BE49-F238E27FC236}">
-                <a16:creationId xmlns="" xmlns:a16="http://schemas.microsoft.com/office/drawing/2014/main" id="{0609D585-79F7-49EB-9401-E0C267C6CF88}"/>
+                <a16:creationId xmlns:a16="http://schemas.microsoft.com/office/drawing/2014/main" xmlns="" id="{0609D585-79F7-49EB-9401-E0C267C6CF88}"/>
               </a:ext>
             </a:extLst>
           </p:cNvPr>
@@ -13296,7 +13842,7 @@
           <p:cNvPr id="11" name="图片 10">
             <a:extLst>
               <a:ext uri="{FF2B5EF4-FFF2-40B4-BE49-F238E27FC236}">
-                <a16:creationId xmlns="" xmlns:a16="http://schemas.microsoft.com/office/drawing/2014/main" id="{0609D585-79F7-49EB-9401-E0C267C6CF88}"/>
+                <a16:creationId xmlns:a16="http://schemas.microsoft.com/office/drawing/2014/main" xmlns="" id="{0609D585-79F7-49EB-9401-E0C267C6CF88}"/>
               </a:ext>
             </a:extLst>
           </p:cNvPr>
@@ -13336,7 +13882,7 @@
           <p:cNvPr id="12" name="图片 11">
             <a:extLst>
               <a:ext uri="{FF2B5EF4-FFF2-40B4-BE49-F238E27FC236}">
-                <a16:creationId xmlns="" xmlns:a16="http://schemas.microsoft.com/office/drawing/2014/main" id="{0609D585-79F7-49EB-9401-E0C267C6CF88}"/>
+                <a16:creationId xmlns:a16="http://schemas.microsoft.com/office/drawing/2014/main" xmlns="" id="{0609D585-79F7-49EB-9401-E0C267C6CF88}"/>
               </a:ext>
             </a:extLst>
           </p:cNvPr>
@@ -13538,7 +14084,7 @@
           <p:cNvPr id="16" name="图片 15">
             <a:extLst>
               <a:ext uri="{FF2B5EF4-FFF2-40B4-BE49-F238E27FC236}">
-                <a16:creationId xmlns="" xmlns:a16="http://schemas.microsoft.com/office/drawing/2014/main" id="{0609D585-79F7-49EB-9401-E0C267C6CF88}"/>
+                <a16:creationId xmlns:a16="http://schemas.microsoft.com/office/drawing/2014/main" xmlns="" id="{0609D585-79F7-49EB-9401-E0C267C6CF88}"/>
               </a:ext>
             </a:extLst>
           </p:cNvPr>
@@ -13578,7 +14124,7 @@
           <p:cNvPr id="17" name="图片 16">
             <a:extLst>
               <a:ext uri="{FF2B5EF4-FFF2-40B4-BE49-F238E27FC236}">
-                <a16:creationId xmlns="" xmlns:a16="http://schemas.microsoft.com/office/drawing/2014/main" id="{0609D585-79F7-49EB-9401-E0C267C6CF88}"/>
+                <a16:creationId xmlns:a16="http://schemas.microsoft.com/office/drawing/2014/main" xmlns="" id="{0609D585-79F7-49EB-9401-E0C267C6CF88}"/>
               </a:ext>
             </a:extLst>
           </p:cNvPr>
@@ -13726,7 +14272,7 @@
           <p:cNvPr id="22" name="图片 21">
             <a:extLst>
               <a:ext uri="{FF2B5EF4-FFF2-40B4-BE49-F238E27FC236}">
-                <a16:creationId xmlns="" xmlns:a16="http://schemas.microsoft.com/office/drawing/2014/main" id="{0609D585-79F7-49EB-9401-E0C267C6CF88}"/>
+                <a16:creationId xmlns:a16="http://schemas.microsoft.com/office/drawing/2014/main" xmlns="" id="{0609D585-79F7-49EB-9401-E0C267C6CF88}"/>
               </a:ext>
             </a:extLst>
           </p:cNvPr>
@@ -13766,7 +14312,7 @@
           <p:cNvPr id="23" name="图片 22">
             <a:extLst>
               <a:ext uri="{FF2B5EF4-FFF2-40B4-BE49-F238E27FC236}">
-                <a16:creationId xmlns="" xmlns:a16="http://schemas.microsoft.com/office/drawing/2014/main" id="{0609D585-79F7-49EB-9401-E0C267C6CF88}"/>
+                <a16:creationId xmlns:a16="http://schemas.microsoft.com/office/drawing/2014/main" xmlns="" id="{0609D585-79F7-49EB-9401-E0C267C6CF88}"/>
               </a:ext>
             </a:extLst>
           </p:cNvPr>
@@ -13806,7 +14352,7 @@
           <p:cNvPr id="25" name="图片 24">
             <a:extLst>
               <a:ext uri="{FF2B5EF4-FFF2-40B4-BE49-F238E27FC236}">
-                <a16:creationId xmlns="" xmlns:a16="http://schemas.microsoft.com/office/drawing/2014/main" id="{0609D585-79F7-49EB-9401-E0C267C6CF88}"/>
+                <a16:creationId xmlns:a16="http://schemas.microsoft.com/office/drawing/2014/main" xmlns="" id="{0609D585-79F7-49EB-9401-E0C267C6CF88}"/>
               </a:ext>
             </a:extLst>
           </p:cNvPr>
@@ -14185,7 +14731,7 @@
           <p:cNvPr id="31" name="图片 30">
             <a:extLst>
               <a:ext uri="{FF2B5EF4-FFF2-40B4-BE49-F238E27FC236}">
-                <a16:creationId xmlns="" xmlns:a16="http://schemas.microsoft.com/office/drawing/2014/main" id="{0609D585-79F7-49EB-9401-E0C267C6CF88}"/>
+                <a16:creationId xmlns:a16="http://schemas.microsoft.com/office/drawing/2014/main" xmlns="" id="{0609D585-79F7-49EB-9401-E0C267C6CF88}"/>
               </a:ext>
             </a:extLst>
           </p:cNvPr>
@@ -14221,7 +14767,7 @@
           <p:cNvPr id="32" name="图片 31">
             <a:extLst>
               <a:ext uri="{FF2B5EF4-FFF2-40B4-BE49-F238E27FC236}">
-                <a16:creationId xmlns="" xmlns:a16="http://schemas.microsoft.com/office/drawing/2014/main" id="{0609D585-79F7-49EB-9401-E0C267C6CF88}"/>
+                <a16:creationId xmlns:a16="http://schemas.microsoft.com/office/drawing/2014/main" xmlns="" id="{0609D585-79F7-49EB-9401-E0C267C6CF88}"/>
               </a:ext>
             </a:extLst>
           </p:cNvPr>
@@ -14257,7 +14803,7 @@
           <p:cNvPr id="33" name="图片 32">
             <a:extLst>
               <a:ext uri="{FF2B5EF4-FFF2-40B4-BE49-F238E27FC236}">
-                <a16:creationId xmlns="" xmlns:a16="http://schemas.microsoft.com/office/drawing/2014/main" id="{0609D585-79F7-49EB-9401-E0C267C6CF88}"/>
+                <a16:creationId xmlns:a16="http://schemas.microsoft.com/office/drawing/2014/main" xmlns="" id="{0609D585-79F7-49EB-9401-E0C267C6CF88}"/>
               </a:ext>
             </a:extLst>
           </p:cNvPr>
@@ -14293,7 +14839,7 @@
           <p:cNvPr id="34" name="图片 33">
             <a:extLst>
               <a:ext uri="{FF2B5EF4-FFF2-40B4-BE49-F238E27FC236}">
-                <a16:creationId xmlns="" xmlns:a16="http://schemas.microsoft.com/office/drawing/2014/main" id="{0609D585-79F7-49EB-9401-E0C267C6CF88}"/>
+                <a16:creationId xmlns:a16="http://schemas.microsoft.com/office/drawing/2014/main" xmlns="" id="{0609D585-79F7-49EB-9401-E0C267C6CF88}"/>
               </a:ext>
             </a:extLst>
           </p:cNvPr>
@@ -14329,7 +14875,7 @@
           <p:cNvPr id="35" name="图片 34">
             <a:extLst>
               <a:ext uri="{FF2B5EF4-FFF2-40B4-BE49-F238E27FC236}">
-                <a16:creationId xmlns="" xmlns:a16="http://schemas.microsoft.com/office/drawing/2014/main" id="{0609D585-79F7-49EB-9401-E0C267C6CF88}"/>
+                <a16:creationId xmlns:a16="http://schemas.microsoft.com/office/drawing/2014/main" xmlns="" id="{0609D585-79F7-49EB-9401-E0C267C6CF88}"/>
               </a:ext>
             </a:extLst>
           </p:cNvPr>
@@ -14365,7 +14911,7 @@
           <p:cNvPr id="36" name="图片 35">
             <a:extLst>
               <a:ext uri="{FF2B5EF4-FFF2-40B4-BE49-F238E27FC236}">
-                <a16:creationId xmlns="" xmlns:a16="http://schemas.microsoft.com/office/drawing/2014/main" id="{0609D585-79F7-49EB-9401-E0C267C6CF88}"/>
+                <a16:creationId xmlns:a16="http://schemas.microsoft.com/office/drawing/2014/main" xmlns="" id="{0609D585-79F7-49EB-9401-E0C267C6CF88}"/>
               </a:ext>
             </a:extLst>
           </p:cNvPr>
@@ -14401,7 +14947,7 @@
           <p:cNvPr id="38" name="图片 37">
             <a:extLst>
               <a:ext uri="{FF2B5EF4-FFF2-40B4-BE49-F238E27FC236}">
-                <a16:creationId xmlns="" xmlns:a16="http://schemas.microsoft.com/office/drawing/2014/main" id="{0609D585-79F7-49EB-9401-E0C267C6CF88}"/>
+                <a16:creationId xmlns:a16="http://schemas.microsoft.com/office/drawing/2014/main" xmlns="" id="{0609D585-79F7-49EB-9401-E0C267C6CF88}"/>
               </a:ext>
             </a:extLst>
           </p:cNvPr>
@@ -14437,7 +14983,7 @@
           <p:cNvPr id="39" name="图片 38">
             <a:extLst>
               <a:ext uri="{FF2B5EF4-FFF2-40B4-BE49-F238E27FC236}">
-                <a16:creationId xmlns="" xmlns:a16="http://schemas.microsoft.com/office/drawing/2014/main" id="{0609D585-79F7-49EB-9401-E0C267C6CF88}"/>
+                <a16:creationId xmlns:a16="http://schemas.microsoft.com/office/drawing/2014/main" xmlns="" id="{0609D585-79F7-49EB-9401-E0C267C6CF88}"/>
               </a:ext>
             </a:extLst>
           </p:cNvPr>
@@ -14919,7 +15465,7 @@
           <a:graphicData uri="http://schemas.openxmlformats.org/presentationml/2006/ole">
             <mc:AlternateContent xmlns:mc="http://schemas.openxmlformats.org/markup-compatibility/2006">
               <mc:Choice xmlns:v="urn:schemas-microsoft-com:vml" Requires="v">
-                <p:oleObj spid="_x0000_s4103" name="Equation" r:id="rId5" imgW="342720" imgH="253800" progId="Equation.DSMT4">
+                <p:oleObj spid="_x0000_s4106" name="Equation" r:id="rId5" imgW="342720" imgH="253800" progId="Equation.DSMT4">
                   <p:embed/>
                 </p:oleObj>
               </mc:Choice>
@@ -15051,82 +15597,6 @@
           </a:prstGeom>
         </p:spPr>
       </p:pic>
-      <p:sp>
-        <p:nvSpPr>
-          <p:cNvPr id="7" name="TextBox 6"/>
-          <p:cNvSpPr txBox="1"/>
-          <p:nvPr/>
-        </p:nvSpPr>
-        <p:spPr>
-          <a:xfrm>
-            <a:off x="1979712" y="5114881"/>
-            <a:ext cx="1224136" cy="369332"/>
-          </a:xfrm>
-          <a:prstGeom prst="rect">
-            <a:avLst/>
-          </a:prstGeom>
-          <a:noFill/>
-        </p:spPr>
-        <p:txBody>
-          <a:bodyPr wrap="square" rtlCol="0">
-            <a:spAutoFit/>
-          </a:bodyPr>
-          <a:lstStyle/>
-          <a:p>
-            <a:r>
-              <a:rPr lang="zh-CN" altLang="en-US" dirty="0" smtClean="0"/>
-              <a:t>（</a:t>
-            </a:r>
-            <a:r>
-              <a:rPr lang="en-US" altLang="zh-CN" dirty="0" smtClean="0"/>
-              <a:t>A</a:t>
-            </a:r>
-            <a:r>
-              <a:rPr lang="zh-CN" altLang="en-US" dirty="0" smtClean="0"/>
-              <a:t>）</a:t>
-            </a:r>
-            <a:endParaRPr lang="zh-CN" altLang="en-US" dirty="0"/>
-          </a:p>
-        </p:txBody>
-      </p:sp>
-      <p:sp>
-        <p:nvSpPr>
-          <p:cNvPr id="46" name="TextBox 45"/>
-          <p:cNvSpPr txBox="1"/>
-          <p:nvPr/>
-        </p:nvSpPr>
-        <p:spPr>
-          <a:xfrm>
-            <a:off x="6516216" y="5133886"/>
-            <a:ext cx="1224136" cy="369332"/>
-          </a:xfrm>
-          <a:prstGeom prst="rect">
-            <a:avLst/>
-          </a:prstGeom>
-          <a:noFill/>
-        </p:spPr>
-        <p:txBody>
-          <a:bodyPr wrap="square" rtlCol="0">
-            <a:spAutoFit/>
-          </a:bodyPr>
-          <a:lstStyle/>
-          <a:p>
-            <a:r>
-              <a:rPr lang="zh-CN" altLang="en-US" dirty="0" smtClean="0"/>
-              <a:t>（</a:t>
-            </a:r>
-            <a:r>
-              <a:rPr lang="en-US" altLang="zh-CN" dirty="0"/>
-              <a:t>B</a:t>
-            </a:r>
-            <a:r>
-              <a:rPr lang="zh-CN" altLang="en-US" dirty="0" smtClean="0"/>
-              <a:t>）</a:t>
-            </a:r>
-            <a:endParaRPr lang="zh-CN" altLang="en-US" dirty="0"/>
-          </a:p>
-        </p:txBody>
-      </p:sp>
     </p:spTree>
     <p:extLst>
       <p:ext uri="{BB962C8B-B14F-4D97-AF65-F5344CB8AC3E}">
@@ -15164,82 +15634,6 @@
           <a:chExt cx="0" cy="0"/>
         </a:xfrm>
       </p:grpSpPr>
-      <p:sp>
-        <p:nvSpPr>
-          <p:cNvPr id="7" name="TextBox 6"/>
-          <p:cNvSpPr txBox="1"/>
-          <p:nvPr/>
-        </p:nvSpPr>
-        <p:spPr>
-          <a:xfrm>
-            <a:off x="1979712" y="5114881"/>
-            <a:ext cx="1224136" cy="369332"/>
-          </a:xfrm>
-          <a:prstGeom prst="rect">
-            <a:avLst/>
-          </a:prstGeom>
-          <a:noFill/>
-        </p:spPr>
-        <p:txBody>
-          <a:bodyPr wrap="square" rtlCol="0">
-            <a:spAutoFit/>
-          </a:bodyPr>
-          <a:lstStyle/>
-          <a:p>
-            <a:r>
-              <a:rPr lang="zh-CN" altLang="en-US" dirty="0" smtClean="0"/>
-              <a:t>（</a:t>
-            </a:r>
-            <a:r>
-              <a:rPr lang="en-US" altLang="zh-CN" dirty="0" smtClean="0"/>
-              <a:t>A</a:t>
-            </a:r>
-            <a:r>
-              <a:rPr lang="zh-CN" altLang="en-US" dirty="0" smtClean="0"/>
-              <a:t>）</a:t>
-            </a:r>
-            <a:endParaRPr lang="zh-CN" altLang="en-US" dirty="0"/>
-          </a:p>
-        </p:txBody>
-      </p:sp>
-      <p:sp>
-        <p:nvSpPr>
-          <p:cNvPr id="46" name="TextBox 45"/>
-          <p:cNvSpPr txBox="1"/>
-          <p:nvPr/>
-        </p:nvSpPr>
-        <p:spPr>
-          <a:xfrm>
-            <a:off x="6516216" y="5133886"/>
-            <a:ext cx="1224136" cy="369332"/>
-          </a:xfrm>
-          <a:prstGeom prst="rect">
-            <a:avLst/>
-          </a:prstGeom>
-          <a:noFill/>
-        </p:spPr>
-        <p:txBody>
-          <a:bodyPr wrap="square" rtlCol="0">
-            <a:spAutoFit/>
-          </a:bodyPr>
-          <a:lstStyle/>
-          <a:p>
-            <a:r>
-              <a:rPr lang="zh-CN" altLang="en-US" dirty="0" smtClean="0"/>
-              <a:t>（</a:t>
-            </a:r>
-            <a:r>
-              <a:rPr lang="en-US" altLang="zh-CN" dirty="0"/>
-              <a:t>B</a:t>
-            </a:r>
-            <a:r>
-              <a:rPr lang="zh-CN" altLang="en-US" dirty="0" smtClean="0"/>
-              <a:t>）</a:t>
-            </a:r>
-            <a:endParaRPr lang="zh-CN" altLang="en-US" dirty="0"/>
-          </a:p>
-        </p:txBody>
-      </p:sp>
       <p:pic>
         <p:nvPicPr>
           <p:cNvPr id="4" name="图片 3"/>
@@ -15501,7 +15895,7 @@
         <a:sysClr val="windowText" lastClr="000000"/>
       </a:dk1>
       <a:lt1>
-        <a:sysClr val="window" lastClr="CCE8CF"/>
+        <a:sysClr val="window" lastClr="FFFFFF"/>
       </a:lt1>
       <a:dk2>
         <a:srgbClr val="1F497D"/>
@@ -15784,7 +16178,7 @@
         <a:sysClr val="windowText" lastClr="000000"/>
       </a:dk1>
       <a:lt1>
-        <a:sysClr val="window" lastClr="CCE8CF"/>
+        <a:sysClr val="window" lastClr="FFFFFF"/>
       </a:lt1>
       <a:dk2>
         <a:srgbClr val="1F497D"/>
